--- a/documents/room_reservation_v0.3.pptx
+++ b/documents/room_reservation_v0.3.pptx
@@ -8,12 +8,11 @@
     <p:sldId id="256" r:id="rId2"/>
     <p:sldId id="266" r:id="rId3"/>
     <p:sldId id="258" r:id="rId4"/>
-    <p:sldId id="267" r:id="rId5"/>
-    <p:sldId id="265" r:id="rId6"/>
-    <p:sldId id="260" r:id="rId7"/>
-    <p:sldId id="263" r:id="rId8"/>
-    <p:sldId id="268" r:id="rId9"/>
-    <p:sldId id="264" r:id="rId10"/>
+    <p:sldId id="265" r:id="rId5"/>
+    <p:sldId id="260" r:id="rId6"/>
+    <p:sldId id="263" r:id="rId7"/>
+    <p:sldId id="268" r:id="rId8"/>
+    <p:sldId id="264" r:id="rId9"/>
   </p:sldIdLst>
   <p:sldSz cx="12192000" cy="6858000"/>
   <p:notesSz cx="6858000" cy="9144000"/>
@@ -114,7 +113,7 @@
   </p:defaultTextStyle>
   <p:extLst>
     <p:ext uri="{EFAFB233-063F-42B5-8137-9DF3F51BA10A}">
-      <p15:sldGuideLst xmlns:p15="http://schemas.microsoft.com/office/powerpoint/2012/main"/>
+      <p15:sldGuideLst xmlns:p15="http://schemas.microsoft.com/office/powerpoint/2012/main" xmlns=""/>
     </p:ext>
   </p:extLst>
 </p:presentation>
@@ -251,7 +250,8 @@
           <a:p>
             <a:fld id="{89D69074-33E8-4CD4-950D-8302714BD0BF}" type="datetimeFigureOut">
               <a:rPr lang="zh-TW" altLang="en-US" smtClean="0"/>
-              <a:t>2022/1/16</a:t>
+              <a:pPr/>
+              <a:t>2022/1/17</a:t>
             </a:fld>
             <a:endParaRPr lang="zh-TW" altLang="en-US"/>
           </a:p>
@@ -293,6 +293,7 @@
           <a:p>
             <a:fld id="{F79FF31A-557C-4D46-9396-B3C533AFC60C}" type="slidenum">
               <a:rPr lang="zh-TW" altLang="en-US" smtClean="0"/>
+              <a:pPr/>
               <a:t>‹#›</a:t>
             </a:fld>
             <a:endParaRPr lang="zh-TW" altLang="en-US"/>
@@ -302,7 +303,7 @@
     </p:spTree>
     <p:extLst>
       <p:ext uri="{BB962C8B-B14F-4D97-AF65-F5344CB8AC3E}">
-        <p14:creationId xmlns:p14="http://schemas.microsoft.com/office/powerpoint/2010/main" val="2896650539"/>
+        <p14:creationId xmlns:p14="http://schemas.microsoft.com/office/powerpoint/2010/main" xmlns="" val="2896650539"/>
       </p:ext>
     </p:extLst>
   </p:cSld>
@@ -421,7 +422,8 @@
           <a:p>
             <a:fld id="{89D69074-33E8-4CD4-950D-8302714BD0BF}" type="datetimeFigureOut">
               <a:rPr lang="zh-TW" altLang="en-US" smtClean="0"/>
-              <a:t>2022/1/16</a:t>
+              <a:pPr/>
+              <a:t>2022/1/17</a:t>
             </a:fld>
             <a:endParaRPr lang="zh-TW" altLang="en-US"/>
           </a:p>
@@ -463,6 +465,7 @@
           <a:p>
             <a:fld id="{F79FF31A-557C-4D46-9396-B3C533AFC60C}" type="slidenum">
               <a:rPr lang="zh-TW" altLang="en-US" smtClean="0"/>
+              <a:pPr/>
               <a:t>‹#›</a:t>
             </a:fld>
             <a:endParaRPr lang="zh-TW" altLang="en-US"/>
@@ -472,7 +475,7 @@
     </p:spTree>
     <p:extLst>
       <p:ext uri="{BB962C8B-B14F-4D97-AF65-F5344CB8AC3E}">
-        <p14:creationId xmlns:p14="http://schemas.microsoft.com/office/powerpoint/2010/main" val="1444280539"/>
+        <p14:creationId xmlns:p14="http://schemas.microsoft.com/office/powerpoint/2010/main" xmlns="" val="1444280539"/>
       </p:ext>
     </p:extLst>
   </p:cSld>
@@ -601,7 +604,8 @@
           <a:p>
             <a:fld id="{89D69074-33E8-4CD4-950D-8302714BD0BF}" type="datetimeFigureOut">
               <a:rPr lang="zh-TW" altLang="en-US" smtClean="0"/>
-              <a:t>2022/1/16</a:t>
+              <a:pPr/>
+              <a:t>2022/1/17</a:t>
             </a:fld>
             <a:endParaRPr lang="zh-TW" altLang="en-US"/>
           </a:p>
@@ -643,6 +647,7 @@
           <a:p>
             <a:fld id="{F79FF31A-557C-4D46-9396-B3C533AFC60C}" type="slidenum">
               <a:rPr lang="zh-TW" altLang="en-US" smtClean="0"/>
+              <a:pPr/>
               <a:t>‹#›</a:t>
             </a:fld>
             <a:endParaRPr lang="zh-TW" altLang="en-US"/>
@@ -652,7 +657,7 @@
     </p:spTree>
     <p:extLst>
       <p:ext uri="{BB962C8B-B14F-4D97-AF65-F5344CB8AC3E}">
-        <p14:creationId xmlns:p14="http://schemas.microsoft.com/office/powerpoint/2010/main" val="2155439893"/>
+        <p14:creationId xmlns:p14="http://schemas.microsoft.com/office/powerpoint/2010/main" xmlns="" val="2155439893"/>
       </p:ext>
     </p:extLst>
   </p:cSld>
@@ -771,7 +776,8 @@
           <a:p>
             <a:fld id="{89D69074-33E8-4CD4-950D-8302714BD0BF}" type="datetimeFigureOut">
               <a:rPr lang="zh-TW" altLang="en-US" smtClean="0"/>
-              <a:t>2022/1/16</a:t>
+              <a:pPr/>
+              <a:t>2022/1/17</a:t>
             </a:fld>
             <a:endParaRPr lang="zh-TW" altLang="en-US"/>
           </a:p>
@@ -813,6 +819,7 @@
           <a:p>
             <a:fld id="{F79FF31A-557C-4D46-9396-B3C533AFC60C}" type="slidenum">
               <a:rPr lang="zh-TW" altLang="en-US" smtClean="0"/>
+              <a:pPr/>
               <a:t>‹#›</a:t>
             </a:fld>
             <a:endParaRPr lang="zh-TW" altLang="en-US"/>
@@ -822,7 +829,7 @@
     </p:spTree>
     <p:extLst>
       <p:ext uri="{BB962C8B-B14F-4D97-AF65-F5344CB8AC3E}">
-        <p14:creationId xmlns:p14="http://schemas.microsoft.com/office/powerpoint/2010/main" val="236481475"/>
+        <p14:creationId xmlns:p14="http://schemas.microsoft.com/office/powerpoint/2010/main" xmlns="" val="236481475"/>
       </p:ext>
     </p:extLst>
   </p:cSld>
@@ -1017,7 +1024,8 @@
           <a:p>
             <a:fld id="{89D69074-33E8-4CD4-950D-8302714BD0BF}" type="datetimeFigureOut">
               <a:rPr lang="zh-TW" altLang="en-US" smtClean="0"/>
-              <a:t>2022/1/16</a:t>
+              <a:pPr/>
+              <a:t>2022/1/17</a:t>
             </a:fld>
             <a:endParaRPr lang="zh-TW" altLang="en-US"/>
           </a:p>
@@ -1059,6 +1067,7 @@
           <a:p>
             <a:fld id="{F79FF31A-557C-4D46-9396-B3C533AFC60C}" type="slidenum">
               <a:rPr lang="zh-TW" altLang="en-US" smtClean="0"/>
+              <a:pPr/>
               <a:t>‹#›</a:t>
             </a:fld>
             <a:endParaRPr lang="zh-TW" altLang="en-US"/>
@@ -1068,7 +1077,7 @@
     </p:spTree>
     <p:extLst>
       <p:ext uri="{BB962C8B-B14F-4D97-AF65-F5344CB8AC3E}">
-        <p14:creationId xmlns:p14="http://schemas.microsoft.com/office/powerpoint/2010/main" val="1756503429"/>
+        <p14:creationId xmlns:p14="http://schemas.microsoft.com/office/powerpoint/2010/main" xmlns="" val="1756503429"/>
       </p:ext>
     </p:extLst>
   </p:cSld>
@@ -1249,7 +1258,8 @@
           <a:p>
             <a:fld id="{89D69074-33E8-4CD4-950D-8302714BD0BF}" type="datetimeFigureOut">
               <a:rPr lang="zh-TW" altLang="en-US" smtClean="0"/>
-              <a:t>2022/1/16</a:t>
+              <a:pPr/>
+              <a:t>2022/1/17</a:t>
             </a:fld>
             <a:endParaRPr lang="zh-TW" altLang="en-US"/>
           </a:p>
@@ -1291,6 +1301,7 @@
           <a:p>
             <a:fld id="{F79FF31A-557C-4D46-9396-B3C533AFC60C}" type="slidenum">
               <a:rPr lang="zh-TW" altLang="en-US" smtClean="0"/>
+              <a:pPr/>
               <a:t>‹#›</a:t>
             </a:fld>
             <a:endParaRPr lang="zh-TW" altLang="en-US"/>
@@ -1300,7 +1311,7 @@
     </p:spTree>
     <p:extLst>
       <p:ext uri="{BB962C8B-B14F-4D97-AF65-F5344CB8AC3E}">
-        <p14:creationId xmlns:p14="http://schemas.microsoft.com/office/powerpoint/2010/main" val="933581795"/>
+        <p14:creationId xmlns:p14="http://schemas.microsoft.com/office/powerpoint/2010/main" xmlns="" val="933581795"/>
       </p:ext>
     </p:extLst>
   </p:cSld>
@@ -1616,7 +1627,8 @@
           <a:p>
             <a:fld id="{89D69074-33E8-4CD4-950D-8302714BD0BF}" type="datetimeFigureOut">
               <a:rPr lang="zh-TW" altLang="en-US" smtClean="0"/>
-              <a:t>2022/1/16</a:t>
+              <a:pPr/>
+              <a:t>2022/1/17</a:t>
             </a:fld>
             <a:endParaRPr lang="zh-TW" altLang="en-US"/>
           </a:p>
@@ -1658,6 +1670,7 @@
           <a:p>
             <a:fld id="{F79FF31A-557C-4D46-9396-B3C533AFC60C}" type="slidenum">
               <a:rPr lang="zh-TW" altLang="en-US" smtClean="0"/>
+              <a:pPr/>
               <a:t>‹#›</a:t>
             </a:fld>
             <a:endParaRPr lang="zh-TW" altLang="en-US"/>
@@ -1667,7 +1680,7 @@
     </p:spTree>
     <p:extLst>
       <p:ext uri="{BB962C8B-B14F-4D97-AF65-F5344CB8AC3E}">
-        <p14:creationId xmlns:p14="http://schemas.microsoft.com/office/powerpoint/2010/main" val="2905216663"/>
+        <p14:creationId xmlns:p14="http://schemas.microsoft.com/office/powerpoint/2010/main" xmlns="" val="2905216663"/>
       </p:ext>
     </p:extLst>
   </p:cSld>
@@ -1734,7 +1747,8 @@
           <a:p>
             <a:fld id="{89D69074-33E8-4CD4-950D-8302714BD0BF}" type="datetimeFigureOut">
               <a:rPr lang="zh-TW" altLang="en-US" smtClean="0"/>
-              <a:t>2022/1/16</a:t>
+              <a:pPr/>
+              <a:t>2022/1/17</a:t>
             </a:fld>
             <a:endParaRPr lang="zh-TW" altLang="en-US"/>
           </a:p>
@@ -1776,6 +1790,7 @@
           <a:p>
             <a:fld id="{F79FF31A-557C-4D46-9396-B3C533AFC60C}" type="slidenum">
               <a:rPr lang="zh-TW" altLang="en-US" smtClean="0"/>
+              <a:pPr/>
               <a:t>‹#›</a:t>
             </a:fld>
             <a:endParaRPr lang="zh-TW" altLang="en-US"/>
@@ -1785,7 +1800,7 @@
     </p:spTree>
     <p:extLst>
       <p:ext uri="{BB962C8B-B14F-4D97-AF65-F5344CB8AC3E}">
-        <p14:creationId xmlns:p14="http://schemas.microsoft.com/office/powerpoint/2010/main" val="2286055069"/>
+        <p14:creationId xmlns:p14="http://schemas.microsoft.com/office/powerpoint/2010/main" xmlns="" val="2286055069"/>
       </p:ext>
     </p:extLst>
   </p:cSld>
@@ -1829,7 +1844,8 @@
           <a:p>
             <a:fld id="{89D69074-33E8-4CD4-950D-8302714BD0BF}" type="datetimeFigureOut">
               <a:rPr lang="zh-TW" altLang="en-US" smtClean="0"/>
-              <a:t>2022/1/16</a:t>
+              <a:pPr/>
+              <a:t>2022/1/17</a:t>
             </a:fld>
             <a:endParaRPr lang="zh-TW" altLang="en-US"/>
           </a:p>
@@ -1871,6 +1887,7 @@
           <a:p>
             <a:fld id="{F79FF31A-557C-4D46-9396-B3C533AFC60C}" type="slidenum">
               <a:rPr lang="zh-TW" altLang="en-US" smtClean="0"/>
+              <a:pPr/>
               <a:t>‹#›</a:t>
             </a:fld>
             <a:endParaRPr lang="zh-TW" altLang="en-US"/>
@@ -1880,7 +1897,7 @@
     </p:spTree>
     <p:extLst>
       <p:ext uri="{BB962C8B-B14F-4D97-AF65-F5344CB8AC3E}">
-        <p14:creationId xmlns:p14="http://schemas.microsoft.com/office/powerpoint/2010/main" val="481728855"/>
+        <p14:creationId xmlns:p14="http://schemas.microsoft.com/office/powerpoint/2010/main" xmlns="" val="481728855"/>
       </p:ext>
     </p:extLst>
   </p:cSld>
@@ -2106,7 +2123,8 @@
           <a:p>
             <a:fld id="{89D69074-33E8-4CD4-950D-8302714BD0BF}" type="datetimeFigureOut">
               <a:rPr lang="zh-TW" altLang="en-US" smtClean="0"/>
-              <a:t>2022/1/16</a:t>
+              <a:pPr/>
+              <a:t>2022/1/17</a:t>
             </a:fld>
             <a:endParaRPr lang="zh-TW" altLang="en-US"/>
           </a:p>
@@ -2148,6 +2166,7 @@
           <a:p>
             <a:fld id="{F79FF31A-557C-4D46-9396-B3C533AFC60C}" type="slidenum">
               <a:rPr lang="zh-TW" altLang="en-US" smtClean="0"/>
+              <a:pPr/>
               <a:t>‹#›</a:t>
             </a:fld>
             <a:endParaRPr lang="zh-TW" altLang="en-US"/>
@@ -2157,7 +2176,7 @@
     </p:spTree>
     <p:extLst>
       <p:ext uri="{BB962C8B-B14F-4D97-AF65-F5344CB8AC3E}">
-        <p14:creationId xmlns:p14="http://schemas.microsoft.com/office/powerpoint/2010/main" val="836193507"/>
+        <p14:creationId xmlns:p14="http://schemas.microsoft.com/office/powerpoint/2010/main" xmlns="" val="836193507"/>
       </p:ext>
     </p:extLst>
   </p:cSld>
@@ -2359,7 +2378,8 @@
           <a:p>
             <a:fld id="{89D69074-33E8-4CD4-950D-8302714BD0BF}" type="datetimeFigureOut">
               <a:rPr lang="zh-TW" altLang="en-US" smtClean="0"/>
-              <a:t>2022/1/16</a:t>
+              <a:pPr/>
+              <a:t>2022/1/17</a:t>
             </a:fld>
             <a:endParaRPr lang="zh-TW" altLang="en-US"/>
           </a:p>
@@ -2401,6 +2421,7 @@
           <a:p>
             <a:fld id="{F79FF31A-557C-4D46-9396-B3C533AFC60C}" type="slidenum">
               <a:rPr lang="zh-TW" altLang="en-US" smtClean="0"/>
+              <a:pPr/>
               <a:t>‹#›</a:t>
             </a:fld>
             <a:endParaRPr lang="zh-TW" altLang="en-US"/>
@@ -2410,7 +2431,7 @@
     </p:spTree>
     <p:extLst>
       <p:ext uri="{BB962C8B-B14F-4D97-AF65-F5344CB8AC3E}">
-        <p14:creationId xmlns:p14="http://schemas.microsoft.com/office/powerpoint/2010/main" val="3697961773"/>
+        <p14:creationId xmlns:p14="http://schemas.microsoft.com/office/powerpoint/2010/main" xmlns="" val="3697961773"/>
       </p:ext>
     </p:extLst>
   </p:cSld>
@@ -2572,7 +2593,8 @@
           <a:p>
             <a:fld id="{89D69074-33E8-4CD4-950D-8302714BD0BF}" type="datetimeFigureOut">
               <a:rPr lang="zh-TW" altLang="en-US" smtClean="0"/>
-              <a:t>2022/1/16</a:t>
+              <a:pPr/>
+              <a:t>2022/1/17</a:t>
             </a:fld>
             <a:endParaRPr lang="zh-TW" altLang="en-US"/>
           </a:p>
@@ -2650,6 +2672,7 @@
           <a:p>
             <a:fld id="{F79FF31A-557C-4D46-9396-B3C533AFC60C}" type="slidenum">
               <a:rPr lang="zh-TW" altLang="en-US" smtClean="0"/>
+              <a:pPr/>
               <a:t>‹#›</a:t>
             </a:fld>
             <a:endParaRPr lang="zh-TW" altLang="en-US"/>
@@ -2659,7 +2682,7 @@
     </p:spTree>
     <p:extLst>
       <p:ext uri="{BB962C8B-B14F-4D97-AF65-F5344CB8AC3E}">
-        <p14:creationId xmlns:p14="http://schemas.microsoft.com/office/powerpoint/2010/main" val="3721341287"/>
+        <p14:creationId xmlns:p14="http://schemas.microsoft.com/office/powerpoint/2010/main" xmlns="" val="3721341287"/>
       </p:ext>
     </p:extLst>
   </p:cSld>
@@ -3233,7 +3256,7 @@
     </p:spTree>
     <p:extLst>
       <p:ext uri="{BB962C8B-B14F-4D97-AF65-F5344CB8AC3E}">
-        <p14:creationId xmlns:p14="http://schemas.microsoft.com/office/powerpoint/2010/main" val="2771969355"/>
+        <p14:creationId xmlns:p14="http://schemas.microsoft.com/office/powerpoint/2010/main" xmlns="" val="2771969355"/>
       </p:ext>
     </p:extLst>
   </p:cSld>
@@ -6052,7 +6075,7 @@
     </p:spTree>
     <p:extLst>
       <p:ext uri="{BB962C8B-B14F-4D97-AF65-F5344CB8AC3E}">
-        <p14:creationId xmlns:p14="http://schemas.microsoft.com/office/powerpoint/2010/main" val="767526132"/>
+        <p14:creationId xmlns:p14="http://schemas.microsoft.com/office/powerpoint/2010/main" xmlns="" val="767526132"/>
       </p:ext>
     </p:extLst>
   </p:cSld>
@@ -8825,7 +8848,7 @@
     </p:spTree>
     <p:extLst>
       <p:ext uri="{BB962C8B-B14F-4D97-AF65-F5344CB8AC3E}">
-        <p14:creationId xmlns:p14="http://schemas.microsoft.com/office/powerpoint/2010/main" val="2332914187"/>
+        <p14:creationId xmlns:p14="http://schemas.microsoft.com/office/powerpoint/2010/main" xmlns="" val="2332914187"/>
       </p:ext>
     </p:extLst>
   </p:cSld>
@@ -8843,610 +8866,6 @@
 </file>
 
 <file path=ppt/slides/slide4.xml><?xml version="1.0" encoding="utf-8"?>
-<p:sld xmlns:a="http://schemas.openxmlformats.org/drawingml/2006/main" xmlns:r="http://schemas.openxmlformats.org/officeDocument/2006/relationships" xmlns:p="http://schemas.openxmlformats.org/presentationml/2006/main">
-  <p:cSld>
-    <p:spTree>
-      <p:nvGrpSpPr>
-        <p:cNvPr id="1" name=""/>
-        <p:cNvGrpSpPr/>
-        <p:nvPr/>
-      </p:nvGrpSpPr>
-      <p:grpSpPr>
-        <a:xfrm>
-          <a:off x="0" y="0"/>
-          <a:ext cx="0" cy="0"/>
-          <a:chOff x="0" y="0"/>
-          <a:chExt cx="0" cy="0"/>
-        </a:xfrm>
-      </p:grpSpPr>
-      <p:sp>
-        <p:nvSpPr>
-          <p:cNvPr id="2" name="標題 1"/>
-          <p:cNvSpPr>
-            <a:spLocks noGrp="1"/>
-          </p:cNvSpPr>
-          <p:nvPr>
-            <p:ph type="title"/>
-          </p:nvPr>
-        </p:nvSpPr>
-        <p:spPr/>
-        <p:txBody>
-          <a:bodyPr/>
-          <a:lstStyle/>
-          <a:p>
-            <a:r>
-              <a:rPr lang="en-US" altLang="zh-TW" dirty="0" smtClean="0"/>
-              <a:t>APIs</a:t>
-            </a:r>
-            <a:endParaRPr lang="zh-TW" altLang="en-US" dirty="0"/>
-          </a:p>
-        </p:txBody>
-      </p:sp>
-      <p:sp>
-        <p:nvSpPr>
-          <p:cNvPr id="4" name="文字方塊 3"/>
-          <p:cNvSpPr txBox="1"/>
-          <p:nvPr/>
-        </p:nvSpPr>
-        <p:spPr>
-          <a:xfrm>
-            <a:off x="630637" y="3396451"/>
-            <a:ext cx="2185214" cy="1200329"/>
-          </a:xfrm>
-          <a:prstGeom prst="rect">
-            <a:avLst/>
-          </a:prstGeom>
-          <a:noFill/>
-        </p:spPr>
-        <p:txBody>
-          <a:bodyPr wrap="none" rtlCol="0">
-            <a:spAutoFit/>
-          </a:bodyPr>
-          <a:lstStyle/>
-          <a:p>
-            <a:r>
-              <a:rPr lang="en-US" altLang="zh-TW" dirty="0" smtClean="0">
-                <a:latin typeface="Arial" panose="020B0604020202020204" pitchFamily="34" charset="0"/>
-                <a:ea typeface="Tahoma" panose="020B0604030504040204" pitchFamily="34" charset="0"/>
-                <a:cs typeface="Arial" panose="020B0604020202020204" pitchFamily="34" charset="0"/>
-              </a:rPr>
-              <a:t>{</a:t>
-            </a:r>
-          </a:p>
-          <a:p>
-            <a:r>
-              <a:rPr lang="en-US" altLang="zh-TW" dirty="0">
-                <a:latin typeface="Arial" panose="020B0604020202020204" pitchFamily="34" charset="0"/>
-                <a:ea typeface="Tahoma" panose="020B0604030504040204" pitchFamily="34" charset="0"/>
-                <a:cs typeface="Arial" panose="020B0604020202020204" pitchFamily="34" charset="0"/>
-              </a:rPr>
-              <a:t>  "name": </a:t>
-            </a:r>
-            <a:r>
-              <a:rPr lang="en-US" altLang="zh-TW" dirty="0" smtClean="0">
-                <a:latin typeface="Arial" panose="020B0604020202020204" pitchFamily="34" charset="0"/>
-                <a:ea typeface="Tahoma" panose="020B0604030504040204" pitchFamily="34" charset="0"/>
-                <a:cs typeface="Arial" panose="020B0604020202020204" pitchFamily="34" charset="0"/>
-              </a:rPr>
-              <a:t>String, </a:t>
-            </a:r>
-          </a:p>
-          <a:p>
-            <a:r>
-              <a:rPr lang="en-US" altLang="zh-TW" dirty="0">
-                <a:latin typeface="Arial" panose="020B0604020202020204" pitchFamily="34" charset="0"/>
-                <a:ea typeface="Tahoma" panose="020B0604030504040204" pitchFamily="34" charset="0"/>
-                <a:cs typeface="Arial" panose="020B0604020202020204" pitchFamily="34" charset="0"/>
-              </a:rPr>
-              <a:t>  "</a:t>
-            </a:r>
-            <a:r>
-              <a:rPr lang="en-US" altLang="zh-TW" dirty="0" smtClean="0">
-                <a:latin typeface="Arial" panose="020B0604020202020204" pitchFamily="34" charset="0"/>
-                <a:ea typeface="Tahoma" panose="020B0604030504040204" pitchFamily="34" charset="0"/>
-                <a:cs typeface="Arial" panose="020B0604020202020204" pitchFamily="34" charset="0"/>
-              </a:rPr>
-              <a:t>password</a:t>
-            </a:r>
-            <a:r>
-              <a:rPr lang="en-US" altLang="zh-TW" dirty="0">
-                <a:latin typeface="Arial" panose="020B0604020202020204" pitchFamily="34" charset="0"/>
-                <a:ea typeface="Tahoma" panose="020B0604030504040204" pitchFamily="34" charset="0"/>
-                <a:cs typeface="Arial" panose="020B0604020202020204" pitchFamily="34" charset="0"/>
-              </a:rPr>
-              <a:t>"</a:t>
-            </a:r>
-            <a:r>
-              <a:rPr lang="en-US" altLang="zh-TW" dirty="0" smtClean="0">
-                <a:latin typeface="Arial" panose="020B0604020202020204" pitchFamily="34" charset="0"/>
-                <a:ea typeface="Tahoma" panose="020B0604030504040204" pitchFamily="34" charset="0"/>
-                <a:cs typeface="Arial" panose="020B0604020202020204" pitchFamily="34" charset="0"/>
-              </a:rPr>
-              <a:t>: String</a:t>
-            </a:r>
-          </a:p>
-          <a:p>
-            <a:r>
-              <a:rPr lang="en-US" altLang="zh-TW" dirty="0">
-                <a:latin typeface="Arial" panose="020B0604020202020204" pitchFamily="34" charset="0"/>
-                <a:ea typeface="Tahoma" panose="020B0604030504040204" pitchFamily="34" charset="0"/>
-                <a:cs typeface="Arial" panose="020B0604020202020204" pitchFamily="34" charset="0"/>
-              </a:rPr>
-              <a:t>}</a:t>
-            </a:r>
-            <a:endParaRPr lang="zh-TW" altLang="en-US" dirty="0">
-              <a:latin typeface="Arial" panose="020B0604020202020204" pitchFamily="34" charset="0"/>
-              <a:cs typeface="Arial" panose="020B0604020202020204" pitchFamily="34" charset="0"/>
-            </a:endParaRPr>
-          </a:p>
-        </p:txBody>
-      </p:sp>
-      <p:sp>
-        <p:nvSpPr>
-          <p:cNvPr id="94" name="矩形 93"/>
-          <p:cNvSpPr/>
-          <p:nvPr/>
-        </p:nvSpPr>
-        <p:spPr>
-          <a:xfrm>
-            <a:off x="838200" y="1388763"/>
-            <a:ext cx="5544000" cy="86400"/>
-          </a:xfrm>
-          <a:prstGeom prst="rect">
-            <a:avLst/>
-          </a:prstGeom>
-          <a:solidFill>
-            <a:schemeClr val="tx2">
-              <a:lumMod val="40000"/>
-              <a:lumOff val="60000"/>
-            </a:schemeClr>
-          </a:solidFill>
-          <a:ln>
-            <a:noFill/>
-          </a:ln>
-        </p:spPr>
-        <p:style>
-          <a:lnRef idx="2">
-            <a:schemeClr val="dk1">
-              <a:shade val="50000"/>
-            </a:schemeClr>
-          </a:lnRef>
-          <a:fillRef idx="1">
-            <a:schemeClr val="dk1"/>
-          </a:fillRef>
-          <a:effectRef idx="0">
-            <a:schemeClr val="dk1"/>
-          </a:effectRef>
-          <a:fontRef idx="minor">
-            <a:schemeClr val="lt1"/>
-          </a:fontRef>
-        </p:style>
-        <p:txBody>
-          <a:bodyPr rtlCol="0" anchor="ctr"/>
-          <a:lstStyle/>
-          <a:p>
-            <a:pPr algn="ctr"/>
-            <a:endParaRPr lang="zh-TW" altLang="en-US"/>
-          </a:p>
-        </p:txBody>
-      </p:sp>
-      <p:sp>
-        <p:nvSpPr>
-          <p:cNvPr id="95" name="文字方塊 94"/>
-          <p:cNvSpPr txBox="1"/>
-          <p:nvPr/>
-        </p:nvSpPr>
-        <p:spPr>
-          <a:xfrm>
-            <a:off x="703651" y="1905503"/>
-            <a:ext cx="809837" cy="369332"/>
-          </a:xfrm>
-          <a:prstGeom prst="rect">
-            <a:avLst/>
-          </a:prstGeom>
-          <a:noFill/>
-        </p:spPr>
-        <p:txBody>
-          <a:bodyPr wrap="none" rtlCol="0">
-            <a:spAutoFit/>
-          </a:bodyPr>
-          <a:lstStyle/>
-          <a:p>
-            <a:r>
-              <a:rPr lang="en-US" altLang="zh-TW" b="1" dirty="0" smtClean="0"/>
-              <a:t>Input</a:t>
-            </a:r>
-            <a:endParaRPr lang="zh-TW" altLang="en-US" b="1" dirty="0"/>
-          </a:p>
-        </p:txBody>
-      </p:sp>
-      <p:sp>
-        <p:nvSpPr>
-          <p:cNvPr id="96" name="文字方塊 95"/>
-          <p:cNvSpPr txBox="1"/>
-          <p:nvPr/>
-        </p:nvSpPr>
-        <p:spPr>
-          <a:xfrm>
-            <a:off x="4852326" y="1862920"/>
-            <a:ext cx="1292470" cy="369332"/>
-          </a:xfrm>
-          <a:prstGeom prst="rect">
-            <a:avLst/>
-          </a:prstGeom>
-          <a:noFill/>
-        </p:spPr>
-        <p:txBody>
-          <a:bodyPr wrap="none" rtlCol="0">
-            <a:spAutoFit/>
-          </a:bodyPr>
-          <a:lstStyle/>
-          <a:p>
-            <a:r>
-              <a:rPr lang="en-US" altLang="zh-TW" b="1" dirty="0" smtClean="0"/>
-              <a:t>Response</a:t>
-            </a:r>
-            <a:endParaRPr lang="zh-TW" altLang="en-US" b="1" dirty="0"/>
-          </a:p>
-        </p:txBody>
-      </p:sp>
-      <p:sp>
-        <p:nvSpPr>
-          <p:cNvPr id="97" name="文字方塊 96"/>
-          <p:cNvSpPr txBox="1"/>
-          <p:nvPr/>
-        </p:nvSpPr>
-        <p:spPr>
-          <a:xfrm>
-            <a:off x="2766699" y="896050"/>
-            <a:ext cx="843501" cy="369332"/>
-          </a:xfrm>
-          <a:prstGeom prst="rect">
-            <a:avLst/>
-          </a:prstGeom>
-          <a:noFill/>
-        </p:spPr>
-        <p:txBody>
-          <a:bodyPr wrap="none" rtlCol="0">
-            <a:spAutoFit/>
-          </a:bodyPr>
-          <a:lstStyle/>
-          <a:p>
-            <a:r>
-              <a:rPr lang="en-US" altLang="zh-TW" dirty="0" smtClean="0"/>
-              <a:t>/login</a:t>
-            </a:r>
-            <a:endParaRPr lang="zh-TW" altLang="en-US" dirty="0"/>
-          </a:p>
-        </p:txBody>
-      </p:sp>
-      <p:sp>
-        <p:nvSpPr>
-          <p:cNvPr id="98" name="文字方塊 97"/>
-          <p:cNvSpPr txBox="1"/>
-          <p:nvPr/>
-        </p:nvSpPr>
-        <p:spPr>
-          <a:xfrm>
-            <a:off x="4947138" y="3396451"/>
-            <a:ext cx="2425664" cy="1477328"/>
-          </a:xfrm>
-          <a:prstGeom prst="rect">
-            <a:avLst/>
-          </a:prstGeom>
-          <a:noFill/>
-        </p:spPr>
-        <p:txBody>
-          <a:bodyPr wrap="none" rtlCol="0">
-            <a:spAutoFit/>
-          </a:bodyPr>
-          <a:lstStyle/>
-          <a:p>
-            <a:r>
-              <a:rPr lang="en-US" altLang="zh-TW" dirty="0" smtClean="0">
-                <a:latin typeface="Arial" panose="020B0604020202020204" pitchFamily="34" charset="0"/>
-                <a:ea typeface="Tahoma" panose="020B0604030504040204" pitchFamily="34" charset="0"/>
-                <a:cs typeface="Arial" panose="020B0604020202020204" pitchFamily="34" charset="0"/>
-              </a:rPr>
-              <a:t>{</a:t>
-            </a:r>
-          </a:p>
-          <a:p>
-            <a:r>
-              <a:rPr lang="en-US" altLang="zh-TW" dirty="0">
-                <a:latin typeface="Arial" panose="020B0604020202020204" pitchFamily="34" charset="0"/>
-                <a:ea typeface="Tahoma" panose="020B0604030504040204" pitchFamily="34" charset="0"/>
-                <a:cs typeface="Arial" panose="020B0604020202020204" pitchFamily="34" charset="0"/>
-              </a:rPr>
-              <a:t> </a:t>
-            </a:r>
-            <a:r>
-              <a:rPr lang="en-US" altLang="zh-TW" dirty="0" smtClean="0">
-                <a:latin typeface="Arial" panose="020B0604020202020204" pitchFamily="34" charset="0"/>
-                <a:ea typeface="Tahoma" panose="020B0604030504040204" pitchFamily="34" charset="0"/>
-                <a:cs typeface="Arial" panose="020B0604020202020204" pitchFamily="34" charset="0"/>
-              </a:rPr>
-              <a:t> </a:t>
-            </a:r>
-            <a:r>
-              <a:rPr lang="en-US" altLang="zh-TW" dirty="0">
-                <a:latin typeface="Arial" panose="020B0604020202020204" pitchFamily="34" charset="0"/>
-                <a:ea typeface="Tahoma" panose="020B0604030504040204" pitchFamily="34" charset="0"/>
-                <a:cs typeface="Arial" panose="020B0604020202020204" pitchFamily="34" charset="0"/>
-              </a:rPr>
-              <a:t>"</a:t>
-            </a:r>
-            <a:r>
-              <a:rPr lang="en-US" altLang="zh-TW" dirty="0" smtClean="0">
-                <a:latin typeface="Arial" panose="020B0604020202020204" pitchFamily="34" charset="0"/>
-                <a:ea typeface="Tahoma" panose="020B0604030504040204" pitchFamily="34" charset="0"/>
-                <a:cs typeface="Arial" panose="020B0604020202020204" pitchFamily="34" charset="0"/>
-              </a:rPr>
-              <a:t>id</a:t>
-            </a:r>
-            <a:r>
-              <a:rPr lang="en-US" altLang="zh-TW" dirty="0">
-                <a:latin typeface="Arial" panose="020B0604020202020204" pitchFamily="34" charset="0"/>
-                <a:ea typeface="Tahoma" panose="020B0604030504040204" pitchFamily="34" charset="0"/>
-                <a:cs typeface="Arial" panose="020B0604020202020204" pitchFamily="34" charset="0"/>
-              </a:rPr>
-              <a:t>"</a:t>
-            </a:r>
-            <a:r>
-              <a:rPr lang="en-US" altLang="zh-TW" dirty="0" smtClean="0">
-                <a:latin typeface="Arial" panose="020B0604020202020204" pitchFamily="34" charset="0"/>
-                <a:ea typeface="Tahoma" panose="020B0604030504040204" pitchFamily="34" charset="0"/>
-                <a:cs typeface="Arial" panose="020B0604020202020204" pitchFamily="34" charset="0"/>
-              </a:rPr>
-              <a:t>: </a:t>
-            </a:r>
-            <a:r>
-              <a:rPr lang="en-US" altLang="zh-TW" dirty="0" err="1" smtClean="0">
-                <a:latin typeface="Arial" panose="020B0604020202020204" pitchFamily="34" charset="0"/>
-                <a:ea typeface="Tahoma" panose="020B0604030504040204" pitchFamily="34" charset="0"/>
-                <a:cs typeface="Arial" panose="020B0604020202020204" pitchFamily="34" charset="0"/>
-              </a:rPr>
-              <a:t>Int</a:t>
-            </a:r>
-            <a:r>
-              <a:rPr lang="en-US" altLang="zh-TW" dirty="0" smtClean="0">
-                <a:latin typeface="Arial" panose="020B0604020202020204" pitchFamily="34" charset="0"/>
-                <a:ea typeface="Tahoma" panose="020B0604030504040204" pitchFamily="34" charset="0"/>
-                <a:cs typeface="Arial" panose="020B0604020202020204" pitchFamily="34" charset="0"/>
-              </a:rPr>
-              <a:t>,</a:t>
-            </a:r>
-          </a:p>
-          <a:p>
-            <a:r>
-              <a:rPr lang="en-US" altLang="zh-TW" dirty="0">
-                <a:latin typeface="Arial" panose="020B0604020202020204" pitchFamily="34" charset="0"/>
-                <a:ea typeface="Tahoma" panose="020B0604030504040204" pitchFamily="34" charset="0"/>
-                <a:cs typeface="Arial" panose="020B0604020202020204" pitchFamily="34" charset="0"/>
-              </a:rPr>
-              <a:t>  "</a:t>
-            </a:r>
-            <a:r>
-              <a:rPr lang="en-US" altLang="zh-TW" dirty="0" err="1" smtClean="0">
-                <a:latin typeface="Arial" panose="020B0604020202020204" pitchFamily="34" charset="0"/>
-                <a:ea typeface="Tahoma" panose="020B0604030504040204" pitchFamily="34" charset="0"/>
-                <a:cs typeface="Arial" panose="020B0604020202020204" pitchFamily="34" charset="0"/>
-              </a:rPr>
-              <a:t>user_id</a:t>
-            </a:r>
-            <a:r>
-              <a:rPr lang="en-US" altLang="zh-TW" dirty="0" smtClean="0">
-                <a:latin typeface="Arial" panose="020B0604020202020204" pitchFamily="34" charset="0"/>
-                <a:ea typeface="Tahoma" panose="020B0604030504040204" pitchFamily="34" charset="0"/>
-                <a:cs typeface="Arial" panose="020B0604020202020204" pitchFamily="34" charset="0"/>
-              </a:rPr>
-              <a:t>": String, </a:t>
-            </a:r>
-          </a:p>
-          <a:p>
-            <a:r>
-              <a:rPr lang="en-US" altLang="zh-TW" dirty="0">
-                <a:latin typeface="Arial" panose="020B0604020202020204" pitchFamily="34" charset="0"/>
-                <a:ea typeface="Tahoma" panose="020B0604030504040204" pitchFamily="34" charset="0"/>
-                <a:cs typeface="Arial" panose="020B0604020202020204" pitchFamily="34" charset="0"/>
-              </a:rPr>
-              <a:t>  "</a:t>
-            </a:r>
-            <a:r>
-              <a:rPr lang="en-US" altLang="zh-TW" dirty="0" err="1" smtClean="0">
-                <a:latin typeface="Arial" panose="020B0604020202020204" pitchFamily="34" charset="0"/>
-                <a:ea typeface="Tahoma" panose="020B0604030504040204" pitchFamily="34" charset="0"/>
-                <a:cs typeface="Arial" panose="020B0604020202020204" pitchFamily="34" charset="0"/>
-              </a:rPr>
-              <a:t>user_name</a:t>
-            </a:r>
-            <a:r>
-              <a:rPr lang="en-US" altLang="zh-TW" dirty="0" smtClean="0">
-                <a:latin typeface="Arial" panose="020B0604020202020204" pitchFamily="34" charset="0"/>
-                <a:ea typeface="Tahoma" panose="020B0604030504040204" pitchFamily="34" charset="0"/>
-                <a:cs typeface="Arial" panose="020B0604020202020204" pitchFamily="34" charset="0"/>
-              </a:rPr>
-              <a:t>" : String</a:t>
-            </a:r>
-          </a:p>
-          <a:p>
-            <a:r>
-              <a:rPr lang="en-US" altLang="zh-TW" dirty="0">
-                <a:latin typeface="Arial" panose="020B0604020202020204" pitchFamily="34" charset="0"/>
-                <a:ea typeface="Tahoma" panose="020B0604030504040204" pitchFamily="34" charset="0"/>
-                <a:cs typeface="Arial" panose="020B0604020202020204" pitchFamily="34" charset="0"/>
-              </a:rPr>
-              <a:t>}</a:t>
-            </a:r>
-            <a:endParaRPr lang="zh-TW" altLang="en-US" dirty="0">
-              <a:latin typeface="Arial" panose="020B0604020202020204" pitchFamily="34" charset="0"/>
-              <a:cs typeface="Arial" panose="020B0604020202020204" pitchFamily="34" charset="0"/>
-            </a:endParaRPr>
-          </a:p>
-        </p:txBody>
-      </p:sp>
-      <p:sp>
-        <p:nvSpPr>
-          <p:cNvPr id="100" name="文字方塊 99"/>
-          <p:cNvSpPr txBox="1"/>
-          <p:nvPr/>
-        </p:nvSpPr>
-        <p:spPr>
-          <a:xfrm>
-            <a:off x="4947138" y="2927908"/>
-            <a:ext cx="1556836" cy="369332"/>
-          </a:xfrm>
-          <a:prstGeom prst="rect">
-            <a:avLst/>
-          </a:prstGeom>
-          <a:noFill/>
-        </p:spPr>
-        <p:txBody>
-          <a:bodyPr wrap="none" rtlCol="0">
-            <a:spAutoFit/>
-          </a:bodyPr>
-          <a:lstStyle/>
-          <a:p>
-            <a:r>
-              <a:rPr lang="en-US" altLang="zh-TW" dirty="0" smtClean="0"/>
-              <a:t>status = 200</a:t>
-            </a:r>
-            <a:endParaRPr lang="zh-TW" altLang="en-US" dirty="0"/>
-          </a:p>
-        </p:txBody>
-      </p:sp>
-      <p:sp>
-        <p:nvSpPr>
-          <p:cNvPr id="101" name="文字方塊 100"/>
-          <p:cNvSpPr txBox="1"/>
-          <p:nvPr/>
-        </p:nvSpPr>
-        <p:spPr>
-          <a:xfrm>
-            <a:off x="7778084" y="3396451"/>
-            <a:ext cx="4281941" cy="923330"/>
-          </a:xfrm>
-          <a:prstGeom prst="rect">
-            <a:avLst/>
-          </a:prstGeom>
-          <a:noFill/>
-        </p:spPr>
-        <p:txBody>
-          <a:bodyPr wrap="none" rtlCol="0">
-            <a:spAutoFit/>
-          </a:bodyPr>
-          <a:lstStyle/>
-          <a:p>
-            <a:r>
-              <a:rPr lang="en-US" altLang="zh-TW" dirty="0" smtClean="0">
-                <a:latin typeface="Arial" panose="020B0604020202020204" pitchFamily="34" charset="0"/>
-                <a:ea typeface="Tahoma" panose="020B0604030504040204" pitchFamily="34" charset="0"/>
-                <a:cs typeface="Arial" panose="020B0604020202020204" pitchFamily="34" charset="0"/>
-              </a:rPr>
-              <a:t>{</a:t>
-            </a:r>
-          </a:p>
-          <a:p>
-            <a:r>
-              <a:rPr lang="en-US" altLang="zh-TW" dirty="0">
-                <a:latin typeface="Arial" panose="020B0604020202020204" pitchFamily="34" charset="0"/>
-                <a:ea typeface="Tahoma" panose="020B0604030504040204" pitchFamily="34" charset="0"/>
-                <a:cs typeface="Arial" panose="020B0604020202020204" pitchFamily="34" charset="0"/>
-              </a:rPr>
-              <a:t> </a:t>
-            </a:r>
-            <a:r>
-              <a:rPr lang="en-US" altLang="zh-TW" dirty="0" smtClean="0">
-                <a:latin typeface="Arial" panose="020B0604020202020204" pitchFamily="34" charset="0"/>
-                <a:ea typeface="Tahoma" panose="020B0604030504040204" pitchFamily="34" charset="0"/>
-                <a:cs typeface="Arial" panose="020B0604020202020204" pitchFamily="34" charset="0"/>
-              </a:rPr>
-              <a:t> "response":</a:t>
-            </a:r>
-            <a:r>
-              <a:rPr lang="en-US" altLang="zh-TW" dirty="0">
-                <a:latin typeface="Arial" panose="020B0604020202020204" pitchFamily="34" charset="0"/>
-                <a:ea typeface="Tahoma" panose="020B0604030504040204" pitchFamily="34" charset="0"/>
-                <a:cs typeface="Arial" panose="020B0604020202020204" pitchFamily="34" charset="0"/>
-              </a:rPr>
-              <a:t> </a:t>
-            </a:r>
-            <a:r>
-              <a:rPr lang="en-US" altLang="zh-TW" dirty="0" smtClean="0">
-                <a:latin typeface="Arial" panose="020B0604020202020204" pitchFamily="34" charset="0"/>
-                <a:ea typeface="Tahoma" panose="020B0604030504040204" pitchFamily="34" charset="0"/>
-                <a:cs typeface="Arial" panose="020B0604020202020204" pitchFamily="34" charset="0"/>
-              </a:rPr>
-              <a:t>"Fail account or password"</a:t>
-            </a:r>
-          </a:p>
-          <a:p>
-            <a:r>
-              <a:rPr lang="en-US" altLang="zh-TW" dirty="0">
-                <a:latin typeface="Arial" panose="020B0604020202020204" pitchFamily="34" charset="0"/>
-                <a:ea typeface="Tahoma" panose="020B0604030504040204" pitchFamily="34" charset="0"/>
-                <a:cs typeface="Arial" panose="020B0604020202020204" pitchFamily="34" charset="0"/>
-              </a:rPr>
-              <a:t>}</a:t>
-            </a:r>
-            <a:endParaRPr lang="zh-TW" altLang="en-US" dirty="0">
-              <a:latin typeface="Arial" panose="020B0604020202020204" pitchFamily="34" charset="0"/>
-              <a:cs typeface="Arial" panose="020B0604020202020204" pitchFamily="34" charset="0"/>
-            </a:endParaRPr>
-          </a:p>
-        </p:txBody>
-      </p:sp>
-      <p:sp>
-        <p:nvSpPr>
-          <p:cNvPr id="102" name="文字方塊 101"/>
-          <p:cNvSpPr txBox="1"/>
-          <p:nvPr/>
-        </p:nvSpPr>
-        <p:spPr>
-          <a:xfrm>
-            <a:off x="7778084" y="2927908"/>
-            <a:ext cx="1556836" cy="369332"/>
-          </a:xfrm>
-          <a:prstGeom prst="rect">
-            <a:avLst/>
-          </a:prstGeom>
-          <a:noFill/>
-        </p:spPr>
-        <p:txBody>
-          <a:bodyPr wrap="none" rtlCol="0">
-            <a:spAutoFit/>
-          </a:bodyPr>
-          <a:lstStyle/>
-          <a:p>
-            <a:r>
-              <a:rPr lang="en-US" altLang="zh-TW" dirty="0" smtClean="0"/>
-              <a:t>status = 401</a:t>
-            </a:r>
-            <a:endParaRPr lang="zh-TW" altLang="en-US" dirty="0"/>
-          </a:p>
-        </p:txBody>
-      </p:sp>
-    </p:spTree>
-    <p:extLst>
-      <p:ext uri="{BB962C8B-B14F-4D97-AF65-F5344CB8AC3E}">
-        <p14:creationId xmlns:p14="http://schemas.microsoft.com/office/powerpoint/2010/main" val="2225441754"/>
-      </p:ext>
-    </p:extLst>
-  </p:cSld>
-  <p:clrMapOvr>
-    <a:masterClrMapping/>
-  </p:clrMapOvr>
-  <p:timing>
-    <p:tnLst>
-      <p:par>
-        <p:cTn id="1" dur="indefinite" restart="never" nodeType="tmRoot"/>
-      </p:par>
-    </p:tnLst>
-  </p:timing>
-</p:sld>
-</file>
-
-<file path=ppt/slides/slide5.xml><?xml version="1.0" encoding="utf-8"?>
 <p:sld xmlns:a="http://schemas.openxmlformats.org/drawingml/2006/main" xmlns:r="http://schemas.openxmlformats.org/officeDocument/2006/relationships" xmlns:p="http://schemas.openxmlformats.org/presentationml/2006/main">
   <p:cSld>
     <p:spTree>
@@ -10012,7 +9431,7 @@
     </p:spTree>
     <p:extLst>
       <p:ext uri="{BB962C8B-B14F-4D97-AF65-F5344CB8AC3E}">
-        <p14:creationId xmlns:p14="http://schemas.microsoft.com/office/powerpoint/2010/main" val="2365553124"/>
+        <p14:creationId xmlns:p14="http://schemas.microsoft.com/office/powerpoint/2010/main" xmlns="" val="2365553124"/>
       </p:ext>
     </p:extLst>
   </p:cSld>
@@ -10029,7 +9448,7 @@
 </p:sld>
 </file>
 
-<file path=ppt/slides/slide6.xml><?xml version="1.0" encoding="utf-8"?>
+<file path=ppt/slides/slide5.xml><?xml version="1.0" encoding="utf-8"?>
 <p:sld xmlns:a="http://schemas.openxmlformats.org/drawingml/2006/main" xmlns:r="http://schemas.openxmlformats.org/officeDocument/2006/relationships" xmlns:p="http://schemas.openxmlformats.org/presentationml/2006/main">
   <p:cSld>
     <p:spTree>
@@ -10095,14 +9514,14 @@
           <p:nvPr>
             <p:extLst>
               <p:ext uri="{D42A27DB-BD31-4B8C-83A1-F6EECF244321}">
-                <p14:modId xmlns:p14="http://schemas.microsoft.com/office/powerpoint/2010/main" val="3324350004"/>
+                <p14:modId xmlns:p14="http://schemas.microsoft.com/office/powerpoint/2010/main" xmlns="" val="3324350004"/>
               </p:ext>
             </p:extLst>
           </p:nvPr>
         </p:nvGraphicFramePr>
         <p:xfrm>
           <a:off x="755976" y="1147056"/>
-          <a:ext cx="9979268" cy="5562600"/>
+          <a:ext cx="9979268" cy="4348480"/>
         </p:xfrm>
         <a:graphic>
           <a:graphicData uri="http://schemas.openxmlformats.org/drawingml/2006/table">
@@ -10114,28 +9533,28 @@
                 <a:gridCol w="2963008">
                   <a:extLst>
                     <a:ext uri="{9D8B030D-6E8A-4147-A177-3AD203B41FA5}">
-                      <a16:colId xmlns:a16="http://schemas.microsoft.com/office/drawing/2014/main" val="3386233962"/>
+                      <a16:colId xmlns:a16="http://schemas.microsoft.com/office/drawing/2014/main" xmlns="" val="3386233962"/>
                     </a:ext>
                   </a:extLst>
                 </a:gridCol>
                 <a:gridCol w="2026626">
                   <a:extLst>
                     <a:ext uri="{9D8B030D-6E8A-4147-A177-3AD203B41FA5}">
-                      <a16:colId xmlns:a16="http://schemas.microsoft.com/office/drawing/2014/main" val="2716954967"/>
+                      <a16:colId xmlns:a16="http://schemas.microsoft.com/office/drawing/2014/main" xmlns="" val="2716954967"/>
                     </a:ext>
                   </a:extLst>
                 </a:gridCol>
                 <a:gridCol w="2494817">
                   <a:extLst>
                     <a:ext uri="{9D8B030D-6E8A-4147-A177-3AD203B41FA5}">
-                      <a16:colId xmlns:a16="http://schemas.microsoft.com/office/drawing/2014/main" val="779126432"/>
+                      <a16:colId xmlns:a16="http://schemas.microsoft.com/office/drawing/2014/main" xmlns="" val="779126432"/>
                     </a:ext>
                   </a:extLst>
                 </a:gridCol>
                 <a:gridCol w="2494817">
                   <a:extLst>
                     <a:ext uri="{9D8B030D-6E8A-4147-A177-3AD203B41FA5}">
-                      <a16:colId xmlns:a16="http://schemas.microsoft.com/office/drawing/2014/main" val="3524861831"/>
+                      <a16:colId xmlns:a16="http://schemas.microsoft.com/office/drawing/2014/main" xmlns="" val="3524861831"/>
                     </a:ext>
                   </a:extLst>
                 </a:gridCol>
@@ -10263,7 +9682,7 @@
                 </a:tc>
                 <a:extLst>
                   <a:ext uri="{0D108BD9-81ED-4DB2-BD59-A6C34878D82A}">
-                    <a16:rowId xmlns:a16="http://schemas.microsoft.com/office/drawing/2014/main" val="4270720029"/>
+                    <a16:rowId xmlns:a16="http://schemas.microsoft.com/office/drawing/2014/main" xmlns="" val="4270720029"/>
                   </a:ext>
                 </a:extLst>
               </a:tr>
@@ -10455,7 +9874,7 @@
                 </a:tc>
                 <a:extLst>
                   <a:ext uri="{0D108BD9-81ED-4DB2-BD59-A6C34878D82A}">
-                    <a16:rowId xmlns:a16="http://schemas.microsoft.com/office/drawing/2014/main" val="2572670075"/>
+                    <a16:rowId xmlns:a16="http://schemas.microsoft.com/office/drawing/2014/main" xmlns="" val="2572670075"/>
                   </a:ext>
                 </a:extLst>
               </a:tr>
@@ -10616,510 +10035,7 @@
                 </a:tc>
                 <a:extLst>
                   <a:ext uri="{0D108BD9-81ED-4DB2-BD59-A6C34878D82A}">
-                    <a16:rowId xmlns:a16="http://schemas.microsoft.com/office/drawing/2014/main" val="1583960594"/>
-                  </a:ext>
-                </a:extLst>
-              </a:tr>
-              <a:tr h="370840">
-                <a:tc>
-                  <a:txBody>
-                    <a:bodyPr/>
-                    <a:lstStyle/>
-                    <a:p>
-                      <a:pPr algn="ctr"/>
-                      <a:r>
-                        <a:rPr lang="en-US" altLang="zh-TW" dirty="0" err="1" smtClean="0"/>
-                        <a:t>room_name</a:t>
-                      </a:r>
-                      <a:endParaRPr lang="zh-TW" altLang="en-US" dirty="0"/>
-                    </a:p>
-                  </a:txBody>
-                  <a:tcPr>
-                    <a:lnL w="12700" cap="flat" cmpd="sng" algn="ctr">
-                      <a:solidFill>
-                        <a:schemeClr val="tx1"/>
-                      </a:solidFill>
-                      <a:prstDash val="solid"/>
-                      <a:round/>
-                      <a:headEnd type="none" w="med" len="med"/>
-                      <a:tailEnd type="none" w="med" len="med"/>
-                    </a:lnL>
-                    <a:lnR w="12700" cap="flat" cmpd="sng" algn="ctr">
-                      <a:solidFill>
-                        <a:schemeClr val="tx1"/>
-                      </a:solidFill>
-                      <a:prstDash val="solid"/>
-                      <a:round/>
-                      <a:headEnd type="none" w="med" len="med"/>
-                      <a:tailEnd type="none" w="med" len="med"/>
-                    </a:lnR>
-                  </a:tcPr>
-                </a:tc>
-                <a:tc>
-                  <a:txBody>
-                    <a:bodyPr/>
-                    <a:lstStyle/>
-                    <a:p>
-                      <a:pPr algn="ctr"/>
-                      <a:r>
-                        <a:rPr lang="en-US" altLang="zh-TW" dirty="0" smtClean="0"/>
-                        <a:t>String</a:t>
-                      </a:r>
-                      <a:endParaRPr lang="zh-TW" altLang="en-US" dirty="0"/>
-                    </a:p>
-                  </a:txBody>
-                  <a:tcPr>
-                    <a:lnL w="12700" cap="flat" cmpd="sng" algn="ctr">
-                      <a:solidFill>
-                        <a:schemeClr val="tx1"/>
-                      </a:solidFill>
-                      <a:prstDash val="solid"/>
-                      <a:round/>
-                      <a:headEnd type="none" w="med" len="med"/>
-                      <a:tailEnd type="none" w="med" len="med"/>
-                    </a:lnL>
-                    <a:lnR w="12700" cap="flat" cmpd="sng" algn="ctr">
-                      <a:solidFill>
-                        <a:schemeClr val="tx1"/>
-                      </a:solidFill>
-                      <a:prstDash val="solid"/>
-                      <a:round/>
-                      <a:headEnd type="none" w="med" len="med"/>
-                      <a:tailEnd type="none" w="med" len="med"/>
-                    </a:lnR>
-                    <a:lnT w="12700" cap="flat" cmpd="sng" algn="ctr">
-                      <a:solidFill>
-                        <a:schemeClr val="tx1"/>
-                      </a:solidFill>
-                      <a:prstDash val="solid"/>
-                      <a:round/>
-                      <a:headEnd type="none" w="med" len="med"/>
-                      <a:tailEnd type="none" w="med" len="med"/>
-                    </a:lnT>
-                    <a:lnB w="12700" cap="flat" cmpd="sng" algn="ctr">
-                      <a:solidFill>
-                        <a:schemeClr val="tx1"/>
-                      </a:solidFill>
-                      <a:prstDash val="solid"/>
-                      <a:round/>
-                      <a:headEnd type="none" w="med" len="med"/>
-                      <a:tailEnd type="none" w="med" len="med"/>
-                    </a:lnB>
-                  </a:tcPr>
-                </a:tc>
-                <a:tc>
-                  <a:txBody>
-                    <a:bodyPr/>
-                    <a:lstStyle/>
-                    <a:p>
-                      <a:pPr algn="ctr"/>
-                      <a:endParaRPr lang="zh-TW" altLang="en-US" dirty="0"/>
-                    </a:p>
-                  </a:txBody>
-                  <a:tcPr>
-                    <a:lnL w="12700" cap="flat" cmpd="sng" algn="ctr">
-                      <a:solidFill>
-                        <a:schemeClr val="tx1"/>
-                      </a:solidFill>
-                      <a:prstDash val="solid"/>
-                      <a:round/>
-                      <a:headEnd type="none" w="med" len="med"/>
-                      <a:tailEnd type="none" w="med" len="med"/>
-                    </a:lnL>
-                    <a:lnR w="12700" cap="flat" cmpd="sng" algn="ctr">
-                      <a:solidFill>
-                        <a:schemeClr val="tx1"/>
-                      </a:solidFill>
-                      <a:prstDash val="solid"/>
-                      <a:round/>
-                      <a:headEnd type="none" w="med" len="med"/>
-                      <a:tailEnd type="none" w="med" len="med"/>
-                    </a:lnR>
-                  </a:tcPr>
-                </a:tc>
-                <a:tc>
-                  <a:txBody>
-                    <a:bodyPr/>
-                    <a:lstStyle/>
-                    <a:p>
-                      <a:pPr marL="0" marR="0" indent="0" algn="ctr" defTabSz="914400" rtl="0" eaLnBrk="1" fontAlgn="auto" latinLnBrk="0" hangingPunct="1">
-                        <a:lnSpc>
-                          <a:spcPct val="100000"/>
-                        </a:lnSpc>
-                        <a:spcBef>
-                          <a:spcPts val="0"/>
-                        </a:spcBef>
-                        <a:spcAft>
-                          <a:spcPts val="0"/>
-                        </a:spcAft>
-                        <a:buClrTx/>
-                        <a:buSzTx/>
-                        <a:buFontTx/>
-                        <a:buNone/>
-                        <a:tabLst/>
-                        <a:defRPr/>
-                      </a:pPr>
-                      <a:r>
-                        <a:rPr lang="en-US" altLang="zh-TW" dirty="0" smtClean="0"/>
-                        <a:t>“</a:t>
-                      </a:r>
-                      <a:r>
-                        <a:rPr lang="zh-TW" altLang="en-US" dirty="0" smtClean="0"/>
-                        <a:t>第四實驗室</a:t>
-                      </a:r>
-                      <a:r>
-                        <a:rPr lang="en-US" altLang="zh-TW" dirty="0" smtClean="0"/>
-                        <a:t>”</a:t>
-                      </a:r>
-                      <a:endParaRPr lang="zh-TW" altLang="en-US" dirty="0" smtClean="0"/>
-                    </a:p>
-                  </a:txBody>
-                  <a:tcPr>
-                    <a:lnL w="12700" cap="flat" cmpd="sng" algn="ctr">
-                      <a:solidFill>
-                        <a:schemeClr val="tx1"/>
-                      </a:solidFill>
-                      <a:prstDash val="solid"/>
-                      <a:round/>
-                      <a:headEnd type="none" w="med" len="med"/>
-                      <a:tailEnd type="none" w="med" len="med"/>
-                    </a:lnL>
-                    <a:lnR w="12700" cap="flat" cmpd="sng" algn="ctr">
-                      <a:solidFill>
-                        <a:schemeClr val="tx1"/>
-                      </a:solidFill>
-                      <a:prstDash val="solid"/>
-                      <a:round/>
-                      <a:headEnd type="none" w="med" len="med"/>
-                      <a:tailEnd type="none" w="med" len="med"/>
-                    </a:lnR>
-                  </a:tcPr>
-                </a:tc>
-                <a:extLst>
-                  <a:ext uri="{0D108BD9-81ED-4DB2-BD59-A6C34878D82A}">
-                    <a16:rowId xmlns:a16="http://schemas.microsoft.com/office/drawing/2014/main" val="543700723"/>
-                  </a:ext>
-                </a:extLst>
-              </a:tr>
-              <a:tr h="370840">
-                <a:tc>
-                  <a:txBody>
-                    <a:bodyPr/>
-                    <a:lstStyle/>
-                    <a:p>
-                      <a:pPr algn="ctr"/>
-                      <a:r>
-                        <a:rPr lang="en-US" altLang="zh-TW" dirty="0" err="1" smtClean="0"/>
-                        <a:t>room_department_id</a:t>
-                      </a:r>
-                      <a:endParaRPr lang="zh-TW" altLang="en-US" dirty="0"/>
-                    </a:p>
-                  </a:txBody>
-                  <a:tcPr>
-                    <a:lnL w="12700" cap="flat" cmpd="sng" algn="ctr">
-                      <a:solidFill>
-                        <a:schemeClr val="tx1"/>
-                      </a:solidFill>
-                      <a:prstDash val="solid"/>
-                      <a:round/>
-                      <a:headEnd type="none" w="med" len="med"/>
-                      <a:tailEnd type="none" w="med" len="med"/>
-                    </a:lnL>
-                    <a:lnR w="12700" cap="flat" cmpd="sng" algn="ctr">
-                      <a:solidFill>
-                        <a:schemeClr val="tx1"/>
-                      </a:solidFill>
-                      <a:prstDash val="solid"/>
-                      <a:round/>
-                      <a:headEnd type="none" w="med" len="med"/>
-                      <a:tailEnd type="none" w="med" len="med"/>
-                    </a:lnR>
-                  </a:tcPr>
-                </a:tc>
-                <a:tc>
-                  <a:txBody>
-                    <a:bodyPr/>
-                    <a:lstStyle/>
-                    <a:p>
-                      <a:pPr algn="ctr"/>
-                      <a:r>
-                        <a:rPr lang="en-US" altLang="zh-TW" dirty="0" err="1" smtClean="0"/>
-                        <a:t>Int</a:t>
-                      </a:r>
-                      <a:endParaRPr lang="zh-TW" altLang="en-US" dirty="0"/>
-                    </a:p>
-                  </a:txBody>
-                  <a:tcPr>
-                    <a:lnL w="12700" cap="flat" cmpd="sng" algn="ctr">
-                      <a:solidFill>
-                        <a:schemeClr val="tx1"/>
-                      </a:solidFill>
-                      <a:prstDash val="solid"/>
-                      <a:round/>
-                      <a:headEnd type="none" w="med" len="med"/>
-                      <a:tailEnd type="none" w="med" len="med"/>
-                    </a:lnL>
-                    <a:lnR w="12700" cap="flat" cmpd="sng" algn="ctr">
-                      <a:solidFill>
-                        <a:schemeClr val="tx1"/>
-                      </a:solidFill>
-                      <a:prstDash val="solid"/>
-                      <a:round/>
-                      <a:headEnd type="none" w="med" len="med"/>
-                      <a:tailEnd type="none" w="med" len="med"/>
-                    </a:lnR>
-                    <a:lnT w="12700" cap="flat" cmpd="sng" algn="ctr">
-                      <a:solidFill>
-                        <a:schemeClr val="tx1"/>
-                      </a:solidFill>
-                      <a:prstDash val="solid"/>
-                      <a:round/>
-                      <a:headEnd type="none" w="med" len="med"/>
-                      <a:tailEnd type="none" w="med" len="med"/>
-                    </a:lnT>
-                    <a:lnB w="12700" cap="flat" cmpd="sng" algn="ctr">
-                      <a:solidFill>
-                        <a:schemeClr val="tx1"/>
-                      </a:solidFill>
-                      <a:prstDash val="solid"/>
-                      <a:round/>
-                      <a:headEnd type="none" w="med" len="med"/>
-                      <a:tailEnd type="none" w="med" len="med"/>
-                    </a:lnB>
-                  </a:tcPr>
-                </a:tc>
-                <a:tc>
-                  <a:txBody>
-                    <a:bodyPr/>
-                    <a:lstStyle/>
-                    <a:p>
-                      <a:pPr algn="ctr"/>
-                      <a:endParaRPr lang="zh-TW" altLang="en-US" dirty="0"/>
-                    </a:p>
-                  </a:txBody>
-                  <a:tcPr>
-                    <a:lnL w="12700" cap="flat" cmpd="sng" algn="ctr">
-                      <a:solidFill>
-                        <a:schemeClr val="tx1"/>
-                      </a:solidFill>
-                      <a:prstDash val="solid"/>
-                      <a:round/>
-                      <a:headEnd type="none" w="med" len="med"/>
-                      <a:tailEnd type="none" w="med" len="med"/>
-                    </a:lnL>
-                    <a:lnR w="12700" cap="flat" cmpd="sng" algn="ctr">
-                      <a:solidFill>
-                        <a:schemeClr val="tx1"/>
-                      </a:solidFill>
-                      <a:prstDash val="solid"/>
-                      <a:round/>
-                      <a:headEnd type="none" w="med" len="med"/>
-                      <a:tailEnd type="none" w="med" len="med"/>
-                    </a:lnR>
-                  </a:tcPr>
-                </a:tc>
-                <a:tc>
-                  <a:txBody>
-                    <a:bodyPr/>
-                    <a:lstStyle/>
-                    <a:p>
-                      <a:pPr algn="ctr"/>
-                      <a:r>
-                        <a:rPr lang="en-US" altLang="zh-TW" dirty="0" smtClean="0"/>
-                        <a:t>0</a:t>
-                      </a:r>
-                      <a:endParaRPr lang="zh-TW" altLang="en-US" dirty="0"/>
-                    </a:p>
-                  </a:txBody>
-                  <a:tcPr>
-                    <a:lnL w="12700" cap="flat" cmpd="sng" algn="ctr">
-                      <a:solidFill>
-                        <a:schemeClr val="tx1"/>
-                      </a:solidFill>
-                      <a:prstDash val="solid"/>
-                      <a:round/>
-                      <a:headEnd type="none" w="med" len="med"/>
-                      <a:tailEnd type="none" w="med" len="med"/>
-                    </a:lnL>
-                    <a:lnR w="12700" cap="flat" cmpd="sng" algn="ctr">
-                      <a:solidFill>
-                        <a:schemeClr val="tx1"/>
-                      </a:solidFill>
-                      <a:prstDash val="solid"/>
-                      <a:round/>
-                      <a:headEnd type="none" w="med" len="med"/>
-                      <a:tailEnd type="none" w="med" len="med"/>
-                    </a:lnR>
-                  </a:tcPr>
-                </a:tc>
-                <a:extLst>
-                  <a:ext uri="{0D108BD9-81ED-4DB2-BD59-A6C34878D82A}">
-                    <a16:rowId xmlns:a16="http://schemas.microsoft.com/office/drawing/2014/main" val="3337408173"/>
-                  </a:ext>
-                </a:extLst>
-              </a:tr>
-              <a:tr h="370840">
-                <a:tc>
-                  <a:txBody>
-                    <a:bodyPr/>
-                    <a:lstStyle/>
-                    <a:p>
-                      <a:pPr algn="ctr"/>
-                      <a:r>
-                        <a:rPr lang="en-US" altLang="zh-TW" dirty="0" err="1" smtClean="0"/>
-                        <a:t>room_department</a:t>
-                      </a:r>
-                      <a:endParaRPr lang="zh-TW" altLang="en-US" dirty="0"/>
-                    </a:p>
-                  </a:txBody>
-                  <a:tcPr>
-                    <a:lnL w="12700" cap="flat" cmpd="sng" algn="ctr">
-                      <a:solidFill>
-                        <a:schemeClr val="tx1"/>
-                      </a:solidFill>
-                      <a:prstDash val="solid"/>
-                      <a:round/>
-                      <a:headEnd type="none" w="med" len="med"/>
-                      <a:tailEnd type="none" w="med" len="med"/>
-                    </a:lnL>
-                    <a:lnR w="12700" cap="flat" cmpd="sng" algn="ctr">
-                      <a:solidFill>
-                        <a:schemeClr val="tx1"/>
-                      </a:solidFill>
-                      <a:prstDash val="solid"/>
-                      <a:round/>
-                      <a:headEnd type="none" w="med" len="med"/>
-                      <a:tailEnd type="none" w="med" len="med"/>
-                    </a:lnR>
-                  </a:tcPr>
-                </a:tc>
-                <a:tc>
-                  <a:txBody>
-                    <a:bodyPr/>
-                    <a:lstStyle/>
-                    <a:p>
-                      <a:pPr algn="ctr"/>
-                      <a:r>
-                        <a:rPr lang="en-US" altLang="zh-TW" dirty="0" smtClean="0"/>
-                        <a:t>String</a:t>
-                      </a:r>
-                      <a:endParaRPr lang="zh-TW" altLang="en-US" dirty="0"/>
-                    </a:p>
-                  </a:txBody>
-                  <a:tcPr>
-                    <a:lnL w="12700" cap="flat" cmpd="sng" algn="ctr">
-                      <a:solidFill>
-                        <a:schemeClr val="tx1"/>
-                      </a:solidFill>
-                      <a:prstDash val="solid"/>
-                      <a:round/>
-                      <a:headEnd type="none" w="med" len="med"/>
-                      <a:tailEnd type="none" w="med" len="med"/>
-                    </a:lnL>
-                    <a:lnR w="12700" cap="flat" cmpd="sng" algn="ctr">
-                      <a:solidFill>
-                        <a:schemeClr val="tx1"/>
-                      </a:solidFill>
-                      <a:prstDash val="solid"/>
-                      <a:round/>
-                      <a:headEnd type="none" w="med" len="med"/>
-                      <a:tailEnd type="none" w="med" len="med"/>
-                    </a:lnR>
-                    <a:lnT w="12700" cap="flat" cmpd="sng" algn="ctr">
-                      <a:solidFill>
-                        <a:schemeClr val="tx1"/>
-                      </a:solidFill>
-                      <a:prstDash val="solid"/>
-                      <a:round/>
-                      <a:headEnd type="none" w="med" len="med"/>
-                      <a:tailEnd type="none" w="med" len="med"/>
-                    </a:lnT>
-                    <a:lnB w="12700" cap="flat" cmpd="sng" algn="ctr">
-                      <a:solidFill>
-                        <a:schemeClr val="tx1"/>
-                      </a:solidFill>
-                      <a:prstDash val="solid"/>
-                      <a:round/>
-                      <a:headEnd type="none" w="med" len="med"/>
-                      <a:tailEnd type="none" w="med" len="med"/>
-                    </a:lnB>
-                  </a:tcPr>
-                </a:tc>
-                <a:tc>
-                  <a:txBody>
-                    <a:bodyPr/>
-                    <a:lstStyle/>
-                    <a:p>
-                      <a:pPr algn="ctr"/>
-                      <a:endParaRPr lang="zh-TW" altLang="en-US" dirty="0"/>
-                    </a:p>
-                  </a:txBody>
-                  <a:tcPr>
-                    <a:lnL w="12700" cap="flat" cmpd="sng" algn="ctr">
-                      <a:solidFill>
-                        <a:schemeClr val="tx1"/>
-                      </a:solidFill>
-                      <a:prstDash val="solid"/>
-                      <a:round/>
-                      <a:headEnd type="none" w="med" len="med"/>
-                      <a:tailEnd type="none" w="med" len="med"/>
-                    </a:lnL>
-                    <a:lnR w="12700" cap="flat" cmpd="sng" algn="ctr">
-                      <a:solidFill>
-                        <a:schemeClr val="tx1"/>
-                      </a:solidFill>
-                      <a:prstDash val="solid"/>
-                      <a:round/>
-                      <a:headEnd type="none" w="med" len="med"/>
-                      <a:tailEnd type="none" w="med" len="med"/>
-                    </a:lnR>
-                  </a:tcPr>
-                </a:tc>
-                <a:tc>
-                  <a:txBody>
-                    <a:bodyPr/>
-                    <a:lstStyle/>
-                    <a:p>
-                      <a:pPr algn="ctr"/>
-                      <a:r>
-                        <a:rPr lang="en-US" altLang="zh-TW" dirty="0" smtClean="0"/>
-                        <a:t>“</a:t>
-                      </a:r>
-                      <a:r>
-                        <a:rPr lang="en-US" altLang="zh-TW" dirty="0" err="1" smtClean="0"/>
-                        <a:t>idd</a:t>
-                      </a:r>
-                      <a:r>
-                        <a:rPr lang="en-US" altLang="zh-TW" dirty="0" smtClean="0"/>
-                        <a:t>”</a:t>
-                      </a:r>
-                      <a:endParaRPr lang="zh-TW" altLang="en-US" dirty="0"/>
-                    </a:p>
-                  </a:txBody>
-                  <a:tcPr>
-                    <a:lnL w="12700" cap="flat" cmpd="sng" algn="ctr">
-                      <a:solidFill>
-                        <a:schemeClr val="tx1"/>
-                      </a:solidFill>
-                      <a:prstDash val="solid"/>
-                      <a:round/>
-                      <a:headEnd type="none" w="med" len="med"/>
-                      <a:tailEnd type="none" w="med" len="med"/>
-                    </a:lnL>
-                    <a:lnR w="12700" cap="flat" cmpd="sng" algn="ctr">
-                      <a:solidFill>
-                        <a:schemeClr val="tx1"/>
-                      </a:solidFill>
-                      <a:prstDash val="solid"/>
-                      <a:round/>
-                      <a:headEnd type="none" w="med" len="med"/>
-                      <a:tailEnd type="none" w="med" len="med"/>
-                    </a:lnR>
-                  </a:tcPr>
-                </a:tc>
-                <a:extLst>
-                  <a:ext uri="{0D108BD9-81ED-4DB2-BD59-A6C34878D82A}">
-                    <a16:rowId xmlns:a16="http://schemas.microsoft.com/office/drawing/2014/main" val="802524389"/>
+                    <a16:rowId xmlns:a16="http://schemas.microsoft.com/office/drawing/2014/main" xmlns="" val="1583960594"/>
                   </a:ext>
                 </a:extLst>
               </a:tr>
@@ -11288,7 +10204,7 @@
                 </a:tc>
                 <a:extLst>
                   <a:ext uri="{0D108BD9-81ED-4DB2-BD59-A6C34878D82A}">
-                    <a16:rowId xmlns:a16="http://schemas.microsoft.com/office/drawing/2014/main" val="2147963173"/>
+                    <a16:rowId xmlns:a16="http://schemas.microsoft.com/office/drawing/2014/main" xmlns="" val="2147963173"/>
                   </a:ext>
                 </a:extLst>
               </a:tr>
@@ -11444,7 +10360,7 @@
                 </a:tc>
                 <a:extLst>
                   <a:ext uri="{0D108BD9-81ED-4DB2-BD59-A6C34878D82A}">
-                    <a16:rowId xmlns:a16="http://schemas.microsoft.com/office/drawing/2014/main" val="1766268670"/>
+                    <a16:rowId xmlns:a16="http://schemas.microsoft.com/office/drawing/2014/main" xmlns="" val="1766268670"/>
                   </a:ext>
                 </a:extLst>
               </a:tr>
@@ -11583,7 +10499,7 @@
                 </a:tc>
                 <a:extLst>
                   <a:ext uri="{0D108BD9-81ED-4DB2-BD59-A6C34878D82A}">
-                    <a16:rowId xmlns:a16="http://schemas.microsoft.com/office/drawing/2014/main" val="3279891585"/>
+                    <a16:rowId xmlns:a16="http://schemas.microsoft.com/office/drawing/2014/main" xmlns="" val="3279891585"/>
                   </a:ext>
                 </a:extLst>
               </a:tr>
@@ -11597,6 +10513,308 @@
                       <a:r>
                         <a:rPr lang="en-US" altLang="zh-TW" dirty="0" err="1" smtClean="0"/>
                         <a:t>borrower_id</a:t>
+                      </a:r>
+                      <a:endParaRPr lang="zh-TW" altLang="en-US" dirty="0"/>
+                    </a:p>
+                  </a:txBody>
+                  <a:tcPr>
+                    <a:lnL w="12700" cap="flat" cmpd="sng" algn="ctr">
+                      <a:solidFill>
+                        <a:schemeClr val="tx1"/>
+                      </a:solidFill>
+                      <a:prstDash val="solid"/>
+                      <a:round/>
+                      <a:headEnd type="none" w="med" len="med"/>
+                      <a:tailEnd type="none" w="med" len="med"/>
+                    </a:lnL>
+                    <a:lnR w="12700" cap="flat" cmpd="sng" algn="ctr">
+                      <a:solidFill>
+                        <a:schemeClr val="tx1"/>
+                      </a:solidFill>
+                      <a:prstDash val="solid"/>
+                      <a:round/>
+                      <a:headEnd type="none" w="med" len="med"/>
+                      <a:tailEnd type="none" w="med" len="med"/>
+                    </a:lnR>
+                  </a:tcPr>
+                </a:tc>
+                <a:tc>
+                  <a:txBody>
+                    <a:bodyPr/>
+                    <a:lstStyle/>
+                    <a:p>
+                      <a:pPr algn="ctr"/>
+                      <a:r>
+                        <a:rPr lang="en-US" altLang="zh-TW" dirty="0" smtClean="0"/>
+                        <a:t>String</a:t>
+                      </a:r>
+                      <a:endParaRPr lang="zh-TW" altLang="en-US" dirty="0"/>
+                    </a:p>
+                  </a:txBody>
+                  <a:tcPr>
+                    <a:lnL w="12700" cap="flat" cmpd="sng" algn="ctr">
+                      <a:solidFill>
+                        <a:schemeClr val="tx1"/>
+                      </a:solidFill>
+                      <a:prstDash val="solid"/>
+                      <a:round/>
+                      <a:headEnd type="none" w="med" len="med"/>
+                      <a:tailEnd type="none" w="med" len="med"/>
+                    </a:lnL>
+                    <a:lnR w="12700" cap="flat" cmpd="sng" algn="ctr">
+                      <a:solidFill>
+                        <a:schemeClr val="tx1"/>
+                      </a:solidFill>
+                      <a:prstDash val="solid"/>
+                      <a:round/>
+                      <a:headEnd type="none" w="med" len="med"/>
+                      <a:tailEnd type="none" w="med" len="med"/>
+                    </a:lnR>
+                  </a:tcPr>
+                </a:tc>
+                <a:tc>
+                  <a:txBody>
+                    <a:bodyPr/>
+                    <a:lstStyle/>
+                    <a:p>
+                      <a:pPr marL="0" marR="0" indent="0" algn="ctr" defTabSz="914400" rtl="0" eaLnBrk="1" fontAlgn="auto" latinLnBrk="0" hangingPunct="1">
+                        <a:lnSpc>
+                          <a:spcPct val="100000"/>
+                        </a:lnSpc>
+                        <a:spcBef>
+                          <a:spcPts val="0"/>
+                        </a:spcBef>
+                        <a:spcAft>
+                          <a:spcPts val="0"/>
+                        </a:spcAft>
+                        <a:buClrTx/>
+                        <a:buSzTx/>
+                        <a:buFontTx/>
+                        <a:buNone/>
+                        <a:tabLst/>
+                        <a:defRPr/>
+                      </a:pPr>
+                      <a:endParaRPr lang="zh-TW" altLang="en-US" dirty="0" smtClean="0"/>
+                    </a:p>
+                  </a:txBody>
+                  <a:tcPr>
+                    <a:lnL w="12700" cap="flat" cmpd="sng" algn="ctr">
+                      <a:solidFill>
+                        <a:schemeClr val="tx1"/>
+                      </a:solidFill>
+                      <a:prstDash val="solid"/>
+                      <a:round/>
+                      <a:headEnd type="none" w="med" len="med"/>
+                      <a:tailEnd type="none" w="med" len="med"/>
+                    </a:lnL>
+                    <a:lnR w="12700" cap="flat" cmpd="sng" algn="ctr">
+                      <a:solidFill>
+                        <a:schemeClr val="tx1"/>
+                      </a:solidFill>
+                      <a:prstDash val="solid"/>
+                      <a:round/>
+                      <a:headEnd type="none" w="med" len="med"/>
+                      <a:tailEnd type="none" w="med" len="med"/>
+                    </a:lnR>
+                  </a:tcPr>
+                </a:tc>
+                <a:tc>
+                  <a:txBody>
+                    <a:bodyPr/>
+                    <a:lstStyle/>
+                    <a:p>
+                      <a:pPr algn="ctr"/>
+                      <a:r>
+                        <a:rPr lang="en-US" altLang="zh-TW" dirty="0" smtClean="0"/>
+                        <a:t>“21011234”</a:t>
+                      </a:r>
+                      <a:endParaRPr lang="zh-TW" altLang="en-US" dirty="0"/>
+                    </a:p>
+                  </a:txBody>
+                  <a:tcPr>
+                    <a:lnL w="12700" cap="flat" cmpd="sng" algn="ctr">
+                      <a:solidFill>
+                        <a:schemeClr val="tx1"/>
+                      </a:solidFill>
+                      <a:prstDash val="solid"/>
+                      <a:round/>
+                      <a:headEnd type="none" w="med" len="med"/>
+                      <a:tailEnd type="none" w="med" len="med"/>
+                    </a:lnL>
+                    <a:lnR w="12700" cap="flat" cmpd="sng" algn="ctr">
+                      <a:solidFill>
+                        <a:schemeClr val="tx1"/>
+                      </a:solidFill>
+                      <a:prstDash val="solid"/>
+                      <a:round/>
+                      <a:headEnd type="none" w="med" len="med"/>
+                      <a:tailEnd type="none" w="med" len="med"/>
+                    </a:lnR>
+                  </a:tcPr>
+                </a:tc>
+                <a:extLst>
+                  <a:ext uri="{0D108BD9-81ED-4DB2-BD59-A6C34878D82A}">
+                    <a16:rowId xmlns:a16="http://schemas.microsoft.com/office/drawing/2014/main" xmlns="" val="2438034607"/>
+                  </a:ext>
+                </a:extLst>
+              </a:tr>
+              <a:tr h="370840">
+                <a:tc>
+                  <a:txBody>
+                    <a:bodyPr/>
+                    <a:lstStyle/>
+                    <a:p>
+                      <a:pPr algn="ctr"/>
+                      <a:r>
+                        <a:rPr lang="en-US" altLang="zh-TW" dirty="0" smtClean="0"/>
+                        <a:t>borrower</a:t>
+                      </a:r>
+                      <a:endParaRPr lang="zh-TW" altLang="en-US" dirty="0"/>
+                    </a:p>
+                  </a:txBody>
+                  <a:tcPr>
+                    <a:lnL w="12700" cap="flat" cmpd="sng" algn="ctr">
+                      <a:solidFill>
+                        <a:schemeClr val="tx1"/>
+                      </a:solidFill>
+                      <a:prstDash val="solid"/>
+                      <a:round/>
+                      <a:headEnd type="none" w="med" len="med"/>
+                      <a:tailEnd type="none" w="med" len="med"/>
+                    </a:lnL>
+                    <a:lnR w="12700" cap="flat" cmpd="sng" algn="ctr">
+                      <a:solidFill>
+                        <a:schemeClr val="tx1"/>
+                      </a:solidFill>
+                      <a:prstDash val="solid"/>
+                      <a:round/>
+                      <a:headEnd type="none" w="med" len="med"/>
+                      <a:tailEnd type="none" w="med" len="med"/>
+                    </a:lnR>
+                  </a:tcPr>
+                </a:tc>
+                <a:tc>
+                  <a:txBody>
+                    <a:bodyPr/>
+                    <a:lstStyle/>
+                    <a:p>
+                      <a:pPr algn="ctr"/>
+                      <a:r>
+                        <a:rPr lang="en-US" altLang="zh-TW" dirty="0" smtClean="0"/>
+                        <a:t>String</a:t>
+                      </a:r>
+                      <a:endParaRPr lang="zh-TW" altLang="en-US" dirty="0"/>
+                    </a:p>
+                  </a:txBody>
+                  <a:tcPr>
+                    <a:lnL w="12700" cap="flat" cmpd="sng" algn="ctr">
+                      <a:solidFill>
+                        <a:schemeClr val="tx1"/>
+                      </a:solidFill>
+                      <a:prstDash val="solid"/>
+                      <a:round/>
+                      <a:headEnd type="none" w="med" len="med"/>
+                      <a:tailEnd type="none" w="med" len="med"/>
+                    </a:lnL>
+                    <a:lnR w="12700" cap="flat" cmpd="sng" algn="ctr">
+                      <a:solidFill>
+                        <a:schemeClr val="tx1"/>
+                      </a:solidFill>
+                      <a:prstDash val="solid"/>
+                      <a:round/>
+                      <a:headEnd type="none" w="med" len="med"/>
+                      <a:tailEnd type="none" w="med" len="med"/>
+                    </a:lnR>
+                  </a:tcPr>
+                </a:tc>
+                <a:tc>
+                  <a:txBody>
+                    <a:bodyPr/>
+                    <a:lstStyle/>
+                    <a:p>
+                      <a:pPr algn="ctr"/>
+                      <a:endParaRPr lang="zh-TW" altLang="en-US" dirty="0"/>
+                    </a:p>
+                  </a:txBody>
+                  <a:tcPr>
+                    <a:lnL w="12700" cap="flat" cmpd="sng" algn="ctr">
+                      <a:solidFill>
+                        <a:schemeClr val="tx1"/>
+                      </a:solidFill>
+                      <a:prstDash val="solid"/>
+                      <a:round/>
+                      <a:headEnd type="none" w="med" len="med"/>
+                      <a:tailEnd type="none" w="med" len="med"/>
+                    </a:lnL>
+                    <a:lnR w="12700" cap="flat" cmpd="sng" algn="ctr">
+                      <a:solidFill>
+                        <a:schemeClr val="tx1"/>
+                      </a:solidFill>
+                      <a:prstDash val="solid"/>
+                      <a:round/>
+                      <a:headEnd type="none" w="med" len="med"/>
+                      <a:tailEnd type="none" w="med" len="med"/>
+                    </a:lnR>
+                  </a:tcPr>
+                </a:tc>
+                <a:tc>
+                  <a:txBody>
+                    <a:bodyPr/>
+                    <a:lstStyle/>
+                    <a:p>
+                      <a:pPr algn="ctr"/>
+                      <a:r>
+                        <a:rPr lang="en-US" altLang="zh-TW" dirty="0" smtClean="0"/>
+                        <a:t>“</a:t>
+                      </a:r>
+                      <a:r>
+                        <a:rPr lang="zh-TW" altLang="en-US" dirty="0" smtClean="0"/>
+                        <a:t>王小明</a:t>
+                      </a:r>
+                      <a:r>
+                        <a:rPr lang="en-US" altLang="zh-TW" dirty="0" smtClean="0"/>
+                        <a:t>”</a:t>
+                      </a:r>
+                      <a:endParaRPr lang="zh-TW" altLang="en-US" dirty="0"/>
+                    </a:p>
+                  </a:txBody>
+                  <a:tcPr>
+                    <a:lnL w="12700" cap="flat" cmpd="sng" algn="ctr">
+                      <a:solidFill>
+                        <a:schemeClr val="tx1"/>
+                      </a:solidFill>
+                      <a:prstDash val="solid"/>
+                      <a:round/>
+                      <a:headEnd type="none" w="med" len="med"/>
+                      <a:tailEnd type="none" w="med" len="med"/>
+                    </a:lnL>
+                    <a:lnR w="12700" cap="flat" cmpd="sng" algn="ctr">
+                      <a:solidFill>
+                        <a:schemeClr val="tx1"/>
+                      </a:solidFill>
+                      <a:prstDash val="solid"/>
+                      <a:round/>
+                      <a:headEnd type="none" w="med" len="med"/>
+                      <a:tailEnd type="none" w="med" len="med"/>
+                    </a:lnR>
+                  </a:tcPr>
+                </a:tc>
+                <a:extLst>
+                  <a:ext uri="{0D108BD9-81ED-4DB2-BD59-A6C34878D82A}">
+                    <a16:rowId xmlns:a16="http://schemas.microsoft.com/office/drawing/2014/main" xmlns="" val="745599009"/>
+                  </a:ext>
+                </a:extLst>
+              </a:tr>
+              <a:tr h="370840">
+                <a:tc>
+                  <a:txBody>
+                    <a:bodyPr/>
+                    <a:lstStyle/>
+                    <a:p>
+                      <a:pPr algn="ctr"/>
+                      <a:r>
+                        <a:rPr lang="en-US" altLang="zh-TW" dirty="0" err="1" smtClean="0"/>
+                        <a:t>borrower_department_code</a:t>
                       </a:r>
                       <a:endParaRPr lang="zh-TW" altLang="en-US" dirty="0"/>
                     </a:p>
@@ -11683,447 +10901,6 @@
                         <a:t>Foreign Key</a:t>
                       </a:r>
                       <a:endParaRPr lang="zh-TW" altLang="en-US" dirty="0" smtClean="0"/>
-                    </a:p>
-                  </a:txBody>
-                  <a:tcPr>
-                    <a:lnL w="12700" cap="flat" cmpd="sng" algn="ctr">
-                      <a:solidFill>
-                        <a:schemeClr val="tx1"/>
-                      </a:solidFill>
-                      <a:prstDash val="solid"/>
-                      <a:round/>
-                      <a:headEnd type="none" w="med" len="med"/>
-                      <a:tailEnd type="none" w="med" len="med"/>
-                    </a:lnL>
-                    <a:lnR w="12700" cap="flat" cmpd="sng" algn="ctr">
-                      <a:solidFill>
-                        <a:schemeClr val="tx1"/>
-                      </a:solidFill>
-                      <a:prstDash val="solid"/>
-                      <a:round/>
-                      <a:headEnd type="none" w="med" len="med"/>
-                      <a:tailEnd type="none" w="med" len="med"/>
-                    </a:lnR>
-                  </a:tcPr>
-                </a:tc>
-                <a:tc>
-                  <a:txBody>
-                    <a:bodyPr/>
-                    <a:lstStyle/>
-                    <a:p>
-                      <a:pPr algn="ctr"/>
-                      <a:r>
-                        <a:rPr lang="en-US" altLang="zh-TW" dirty="0" smtClean="0"/>
-                        <a:t>“21011234”</a:t>
-                      </a:r>
-                      <a:endParaRPr lang="zh-TW" altLang="en-US" dirty="0"/>
-                    </a:p>
-                  </a:txBody>
-                  <a:tcPr>
-                    <a:lnL w="12700" cap="flat" cmpd="sng" algn="ctr">
-                      <a:solidFill>
-                        <a:schemeClr val="tx1"/>
-                      </a:solidFill>
-                      <a:prstDash val="solid"/>
-                      <a:round/>
-                      <a:headEnd type="none" w="med" len="med"/>
-                      <a:tailEnd type="none" w="med" len="med"/>
-                    </a:lnL>
-                    <a:lnR w="12700" cap="flat" cmpd="sng" algn="ctr">
-                      <a:solidFill>
-                        <a:schemeClr val="tx1"/>
-                      </a:solidFill>
-                      <a:prstDash val="solid"/>
-                      <a:round/>
-                      <a:headEnd type="none" w="med" len="med"/>
-                      <a:tailEnd type="none" w="med" len="med"/>
-                    </a:lnR>
-                  </a:tcPr>
-                </a:tc>
-                <a:extLst>
-                  <a:ext uri="{0D108BD9-81ED-4DB2-BD59-A6C34878D82A}">
-                    <a16:rowId xmlns:a16="http://schemas.microsoft.com/office/drawing/2014/main" val="2438034607"/>
-                  </a:ext>
-                </a:extLst>
-              </a:tr>
-              <a:tr h="370840">
-                <a:tc>
-                  <a:txBody>
-                    <a:bodyPr/>
-                    <a:lstStyle/>
-                    <a:p>
-                      <a:pPr algn="ctr"/>
-                      <a:r>
-                        <a:rPr lang="en-US" altLang="zh-TW" dirty="0" smtClean="0"/>
-                        <a:t>borrower</a:t>
-                      </a:r>
-                      <a:endParaRPr lang="zh-TW" altLang="en-US" dirty="0"/>
-                    </a:p>
-                  </a:txBody>
-                  <a:tcPr>
-                    <a:lnL w="12700" cap="flat" cmpd="sng" algn="ctr">
-                      <a:solidFill>
-                        <a:schemeClr val="tx1"/>
-                      </a:solidFill>
-                      <a:prstDash val="solid"/>
-                      <a:round/>
-                      <a:headEnd type="none" w="med" len="med"/>
-                      <a:tailEnd type="none" w="med" len="med"/>
-                    </a:lnL>
-                    <a:lnR w="12700" cap="flat" cmpd="sng" algn="ctr">
-                      <a:solidFill>
-                        <a:schemeClr val="tx1"/>
-                      </a:solidFill>
-                      <a:prstDash val="solid"/>
-                      <a:round/>
-                      <a:headEnd type="none" w="med" len="med"/>
-                      <a:tailEnd type="none" w="med" len="med"/>
-                    </a:lnR>
-                  </a:tcPr>
-                </a:tc>
-                <a:tc>
-                  <a:txBody>
-                    <a:bodyPr/>
-                    <a:lstStyle/>
-                    <a:p>
-                      <a:pPr algn="ctr"/>
-                      <a:r>
-                        <a:rPr lang="en-US" altLang="zh-TW" dirty="0" smtClean="0"/>
-                        <a:t>String</a:t>
-                      </a:r>
-                      <a:endParaRPr lang="zh-TW" altLang="en-US" dirty="0"/>
-                    </a:p>
-                  </a:txBody>
-                  <a:tcPr>
-                    <a:lnL w="12700" cap="flat" cmpd="sng" algn="ctr">
-                      <a:solidFill>
-                        <a:schemeClr val="tx1"/>
-                      </a:solidFill>
-                      <a:prstDash val="solid"/>
-                      <a:round/>
-                      <a:headEnd type="none" w="med" len="med"/>
-                      <a:tailEnd type="none" w="med" len="med"/>
-                    </a:lnL>
-                    <a:lnR w="12700" cap="flat" cmpd="sng" algn="ctr">
-                      <a:solidFill>
-                        <a:schemeClr val="tx1"/>
-                      </a:solidFill>
-                      <a:prstDash val="solid"/>
-                      <a:round/>
-                      <a:headEnd type="none" w="med" len="med"/>
-                      <a:tailEnd type="none" w="med" len="med"/>
-                    </a:lnR>
-                  </a:tcPr>
-                </a:tc>
-                <a:tc>
-                  <a:txBody>
-                    <a:bodyPr/>
-                    <a:lstStyle/>
-                    <a:p>
-                      <a:pPr algn="ctr"/>
-                      <a:endParaRPr lang="zh-TW" altLang="en-US" dirty="0"/>
-                    </a:p>
-                  </a:txBody>
-                  <a:tcPr>
-                    <a:lnL w="12700" cap="flat" cmpd="sng" algn="ctr">
-                      <a:solidFill>
-                        <a:schemeClr val="tx1"/>
-                      </a:solidFill>
-                      <a:prstDash val="solid"/>
-                      <a:round/>
-                      <a:headEnd type="none" w="med" len="med"/>
-                      <a:tailEnd type="none" w="med" len="med"/>
-                    </a:lnL>
-                    <a:lnR w="12700" cap="flat" cmpd="sng" algn="ctr">
-                      <a:solidFill>
-                        <a:schemeClr val="tx1"/>
-                      </a:solidFill>
-                      <a:prstDash val="solid"/>
-                      <a:round/>
-                      <a:headEnd type="none" w="med" len="med"/>
-                      <a:tailEnd type="none" w="med" len="med"/>
-                    </a:lnR>
-                  </a:tcPr>
-                </a:tc>
-                <a:tc>
-                  <a:txBody>
-                    <a:bodyPr/>
-                    <a:lstStyle/>
-                    <a:p>
-                      <a:pPr algn="ctr"/>
-                      <a:r>
-                        <a:rPr lang="en-US" altLang="zh-TW" dirty="0" smtClean="0"/>
-                        <a:t>“</a:t>
-                      </a:r>
-                      <a:r>
-                        <a:rPr lang="zh-TW" altLang="en-US" dirty="0" smtClean="0"/>
-                        <a:t>王小明</a:t>
-                      </a:r>
-                      <a:r>
-                        <a:rPr lang="en-US" altLang="zh-TW" dirty="0" smtClean="0"/>
-                        <a:t>”</a:t>
-                      </a:r>
-                      <a:endParaRPr lang="zh-TW" altLang="en-US" dirty="0"/>
-                    </a:p>
-                  </a:txBody>
-                  <a:tcPr>
-                    <a:lnL w="12700" cap="flat" cmpd="sng" algn="ctr">
-                      <a:solidFill>
-                        <a:schemeClr val="tx1"/>
-                      </a:solidFill>
-                      <a:prstDash val="solid"/>
-                      <a:round/>
-                      <a:headEnd type="none" w="med" len="med"/>
-                      <a:tailEnd type="none" w="med" len="med"/>
-                    </a:lnL>
-                    <a:lnR w="12700" cap="flat" cmpd="sng" algn="ctr">
-                      <a:solidFill>
-                        <a:schemeClr val="tx1"/>
-                      </a:solidFill>
-                      <a:prstDash val="solid"/>
-                      <a:round/>
-                      <a:headEnd type="none" w="med" len="med"/>
-                      <a:tailEnd type="none" w="med" len="med"/>
-                    </a:lnR>
-                  </a:tcPr>
-                </a:tc>
-                <a:extLst>
-                  <a:ext uri="{0D108BD9-81ED-4DB2-BD59-A6C34878D82A}">
-                    <a16:rowId xmlns:a16="http://schemas.microsoft.com/office/drawing/2014/main" val="745599009"/>
-                  </a:ext>
-                </a:extLst>
-              </a:tr>
-              <a:tr h="370840">
-                <a:tc>
-                  <a:txBody>
-                    <a:bodyPr/>
-                    <a:lstStyle/>
-                    <a:p>
-                      <a:pPr marL="0" marR="0" indent="0" algn="ctr" defTabSz="914400" rtl="0" eaLnBrk="1" fontAlgn="auto" latinLnBrk="0" hangingPunct="1">
-                        <a:lnSpc>
-                          <a:spcPct val="100000"/>
-                        </a:lnSpc>
-                        <a:spcBef>
-                          <a:spcPts val="0"/>
-                        </a:spcBef>
-                        <a:spcAft>
-                          <a:spcPts val="0"/>
-                        </a:spcAft>
-                        <a:buClrTx/>
-                        <a:buSzTx/>
-                        <a:buFontTx/>
-                        <a:buNone/>
-                        <a:tabLst/>
-                        <a:defRPr/>
-                      </a:pPr>
-                      <a:r>
-                        <a:rPr lang="en-US" altLang="zh-TW" dirty="0" err="1" smtClean="0"/>
-                        <a:t>borrower_department_id</a:t>
-                      </a:r>
-                      <a:endParaRPr lang="zh-TW" altLang="en-US" dirty="0" smtClean="0"/>
-                    </a:p>
-                  </a:txBody>
-                  <a:tcPr>
-                    <a:lnL w="12700" cap="flat" cmpd="sng" algn="ctr">
-                      <a:solidFill>
-                        <a:schemeClr val="tx1"/>
-                      </a:solidFill>
-                      <a:prstDash val="solid"/>
-                      <a:round/>
-                      <a:headEnd type="none" w="med" len="med"/>
-                      <a:tailEnd type="none" w="med" len="med"/>
-                    </a:lnL>
-                    <a:lnR w="12700" cap="flat" cmpd="sng" algn="ctr">
-                      <a:solidFill>
-                        <a:schemeClr val="tx1"/>
-                      </a:solidFill>
-                      <a:prstDash val="solid"/>
-                      <a:round/>
-                      <a:headEnd type="none" w="med" len="med"/>
-                      <a:tailEnd type="none" w="med" len="med"/>
-                    </a:lnR>
-                  </a:tcPr>
-                </a:tc>
-                <a:tc>
-                  <a:txBody>
-                    <a:bodyPr/>
-                    <a:lstStyle/>
-                    <a:p>
-                      <a:pPr algn="ctr"/>
-                      <a:r>
-                        <a:rPr lang="en-US" altLang="zh-TW" dirty="0" err="1" smtClean="0"/>
-                        <a:t>Int</a:t>
-                      </a:r>
-                      <a:endParaRPr lang="zh-TW" altLang="en-US" dirty="0"/>
-                    </a:p>
-                  </a:txBody>
-                  <a:tcPr>
-                    <a:lnL w="12700" cap="flat" cmpd="sng" algn="ctr">
-                      <a:solidFill>
-                        <a:schemeClr val="tx1"/>
-                      </a:solidFill>
-                      <a:prstDash val="solid"/>
-                      <a:round/>
-                      <a:headEnd type="none" w="med" len="med"/>
-                      <a:tailEnd type="none" w="med" len="med"/>
-                    </a:lnL>
-                    <a:lnR w="12700" cap="flat" cmpd="sng" algn="ctr">
-                      <a:solidFill>
-                        <a:schemeClr val="tx1"/>
-                      </a:solidFill>
-                      <a:prstDash val="solid"/>
-                      <a:round/>
-                      <a:headEnd type="none" w="med" len="med"/>
-                      <a:tailEnd type="none" w="med" len="med"/>
-                    </a:lnR>
-                  </a:tcPr>
-                </a:tc>
-                <a:tc>
-                  <a:txBody>
-                    <a:bodyPr/>
-                    <a:lstStyle/>
-                    <a:p>
-                      <a:pPr algn="ctr"/>
-                      <a:endParaRPr lang="zh-TW" altLang="en-US" dirty="0"/>
-                    </a:p>
-                  </a:txBody>
-                  <a:tcPr>
-                    <a:lnL w="12700" cap="flat" cmpd="sng" algn="ctr">
-                      <a:solidFill>
-                        <a:schemeClr val="tx1"/>
-                      </a:solidFill>
-                      <a:prstDash val="solid"/>
-                      <a:round/>
-                      <a:headEnd type="none" w="med" len="med"/>
-                      <a:tailEnd type="none" w="med" len="med"/>
-                    </a:lnL>
-                    <a:lnR w="12700" cap="flat" cmpd="sng" algn="ctr">
-                      <a:solidFill>
-                        <a:schemeClr val="tx1"/>
-                      </a:solidFill>
-                      <a:prstDash val="solid"/>
-                      <a:round/>
-                      <a:headEnd type="none" w="med" len="med"/>
-                      <a:tailEnd type="none" w="med" len="med"/>
-                    </a:lnR>
-                  </a:tcPr>
-                </a:tc>
-                <a:tc>
-                  <a:txBody>
-                    <a:bodyPr/>
-                    <a:lstStyle/>
-                    <a:p>
-                      <a:pPr algn="ctr"/>
-                      <a:r>
-                        <a:rPr lang="en-US" altLang="zh-TW" dirty="0" smtClean="0"/>
-                        <a:t>0</a:t>
-                      </a:r>
-                      <a:endParaRPr lang="zh-TW" altLang="en-US" dirty="0"/>
-                    </a:p>
-                  </a:txBody>
-                  <a:tcPr>
-                    <a:lnL w="12700" cap="flat" cmpd="sng" algn="ctr">
-                      <a:solidFill>
-                        <a:schemeClr val="tx1"/>
-                      </a:solidFill>
-                      <a:prstDash val="solid"/>
-                      <a:round/>
-                      <a:headEnd type="none" w="med" len="med"/>
-                      <a:tailEnd type="none" w="med" len="med"/>
-                    </a:lnL>
-                    <a:lnR w="12700" cap="flat" cmpd="sng" algn="ctr">
-                      <a:solidFill>
-                        <a:schemeClr val="tx1"/>
-                      </a:solidFill>
-                      <a:prstDash val="solid"/>
-                      <a:round/>
-                      <a:headEnd type="none" w="med" len="med"/>
-                      <a:tailEnd type="none" w="med" len="med"/>
-                    </a:lnR>
-                  </a:tcPr>
-                </a:tc>
-                <a:extLst>
-                  <a:ext uri="{0D108BD9-81ED-4DB2-BD59-A6C34878D82A}">
-                    <a16:rowId xmlns:a16="http://schemas.microsoft.com/office/drawing/2014/main" val="726829647"/>
-                  </a:ext>
-                </a:extLst>
-              </a:tr>
-              <a:tr h="370840">
-                <a:tc>
-                  <a:txBody>
-                    <a:bodyPr/>
-                    <a:lstStyle/>
-                    <a:p>
-                      <a:pPr algn="ctr"/>
-                      <a:r>
-                        <a:rPr lang="en-US" altLang="zh-TW" dirty="0" err="1" smtClean="0"/>
-                        <a:t>borrower_department</a:t>
-                      </a:r>
-                      <a:endParaRPr lang="zh-TW" altLang="en-US" dirty="0"/>
-                    </a:p>
-                  </a:txBody>
-                  <a:tcPr>
-                    <a:lnL w="12700" cap="flat" cmpd="sng" algn="ctr">
-                      <a:solidFill>
-                        <a:schemeClr val="tx1"/>
-                      </a:solidFill>
-                      <a:prstDash val="solid"/>
-                      <a:round/>
-                      <a:headEnd type="none" w="med" len="med"/>
-                      <a:tailEnd type="none" w="med" len="med"/>
-                    </a:lnL>
-                    <a:lnR w="12700" cap="flat" cmpd="sng" algn="ctr">
-                      <a:solidFill>
-                        <a:schemeClr val="tx1"/>
-                      </a:solidFill>
-                      <a:prstDash val="solid"/>
-                      <a:round/>
-                      <a:headEnd type="none" w="med" len="med"/>
-                      <a:tailEnd type="none" w="med" len="med"/>
-                    </a:lnR>
-                  </a:tcPr>
-                </a:tc>
-                <a:tc>
-                  <a:txBody>
-                    <a:bodyPr/>
-                    <a:lstStyle/>
-                    <a:p>
-                      <a:pPr algn="ctr"/>
-                      <a:r>
-                        <a:rPr lang="en-US" altLang="zh-TW" dirty="0" smtClean="0"/>
-                        <a:t>String</a:t>
-                      </a:r>
-                      <a:endParaRPr lang="zh-TW" altLang="en-US" dirty="0"/>
-                    </a:p>
-                  </a:txBody>
-                  <a:tcPr>
-                    <a:lnL w="12700" cap="flat" cmpd="sng" algn="ctr">
-                      <a:solidFill>
-                        <a:schemeClr val="tx1"/>
-                      </a:solidFill>
-                      <a:prstDash val="solid"/>
-                      <a:round/>
-                      <a:headEnd type="none" w="med" len="med"/>
-                      <a:tailEnd type="none" w="med" len="med"/>
-                    </a:lnL>
-                    <a:lnR w="12700" cap="flat" cmpd="sng" algn="ctr">
-                      <a:solidFill>
-                        <a:schemeClr val="tx1"/>
-                      </a:solidFill>
-                      <a:prstDash val="solid"/>
-                      <a:round/>
-                      <a:headEnd type="none" w="med" len="med"/>
-                      <a:tailEnd type="none" w="med" len="med"/>
-                    </a:lnR>
-                  </a:tcPr>
-                </a:tc>
-                <a:tc>
-                  <a:txBody>
-                    <a:bodyPr/>
-                    <a:lstStyle/>
-                    <a:p>
-                      <a:pPr algn="ctr"/>
-                      <a:endParaRPr lang="zh-TW" altLang="en-US" dirty="0"/>
                     </a:p>
                   </a:txBody>
                   <a:tcPr>
@@ -12207,7 +10984,7 @@
                 </a:tc>
                 <a:extLst>
                   <a:ext uri="{0D108BD9-81ED-4DB2-BD59-A6C34878D82A}">
-                    <a16:rowId xmlns:a16="http://schemas.microsoft.com/office/drawing/2014/main" val="3624192566"/>
+                    <a16:rowId xmlns:a16="http://schemas.microsoft.com/office/drawing/2014/main" xmlns="" val="3624192566"/>
                   </a:ext>
                 </a:extLst>
               </a:tr>
@@ -12354,7 +11131,7 @@
                 </a:tc>
                 <a:extLst>
                   <a:ext uri="{0D108BD9-81ED-4DB2-BD59-A6C34878D82A}">
-                    <a16:rowId xmlns:a16="http://schemas.microsoft.com/office/drawing/2014/main" val="1716475430"/>
+                    <a16:rowId xmlns:a16="http://schemas.microsoft.com/office/drawing/2014/main" xmlns="" val="1716475430"/>
                   </a:ext>
                 </a:extLst>
               </a:tr>
@@ -12529,7 +11306,7 @@
                 </a:tc>
                 <a:extLst>
                   <a:ext uri="{0D108BD9-81ED-4DB2-BD59-A6C34878D82A}">
-                    <a16:rowId xmlns:a16="http://schemas.microsoft.com/office/drawing/2014/main" val="981539579"/>
+                    <a16:rowId xmlns:a16="http://schemas.microsoft.com/office/drawing/2014/main" xmlns="" val="981539579"/>
                   </a:ext>
                 </a:extLst>
               </a:tr>
@@ -12589,7 +11366,7 @@
     </p:spTree>
     <p:extLst>
       <p:ext uri="{BB962C8B-B14F-4D97-AF65-F5344CB8AC3E}">
-        <p14:creationId xmlns:p14="http://schemas.microsoft.com/office/powerpoint/2010/main" val="409166009"/>
+        <p14:creationId xmlns:p14="http://schemas.microsoft.com/office/powerpoint/2010/main" xmlns="" val="409166009"/>
       </p:ext>
     </p:extLst>
   </p:cSld>
@@ -12606,7 +11383,7 @@
 </p:sld>
 </file>
 
-<file path=ppt/slides/slide7.xml><?xml version="1.0" encoding="utf-8"?>
+<file path=ppt/slides/slide6.xml><?xml version="1.0" encoding="utf-8"?>
 <p:sld xmlns:a="http://schemas.openxmlformats.org/drawingml/2006/main" xmlns:r="http://schemas.openxmlformats.org/officeDocument/2006/relationships" xmlns:p="http://schemas.openxmlformats.org/presentationml/2006/main">
   <p:cSld>
     <p:spTree>
@@ -12667,14 +11444,14 @@
           <p:nvPr>
             <p:extLst>
               <p:ext uri="{D42A27DB-BD31-4B8C-83A1-F6EECF244321}">
-                <p14:modId xmlns:p14="http://schemas.microsoft.com/office/powerpoint/2010/main" val="1200965047"/>
+                <p14:modId xmlns:p14="http://schemas.microsoft.com/office/powerpoint/2010/main" xmlns="" val="1200965047"/>
               </p:ext>
             </p:extLst>
           </p:nvPr>
         </p:nvGraphicFramePr>
         <p:xfrm>
           <a:off x="1543050" y="2723079"/>
-          <a:ext cx="8801100" cy="3337560"/>
+          <a:ext cx="8801100" cy="3606800"/>
         </p:xfrm>
         <a:graphic>
           <a:graphicData uri="http://schemas.openxmlformats.org/drawingml/2006/table">
@@ -12686,28 +11463,28 @@
                 <a:gridCol w="2403113">
                   <a:extLst>
                     <a:ext uri="{9D8B030D-6E8A-4147-A177-3AD203B41FA5}">
-                      <a16:colId xmlns:a16="http://schemas.microsoft.com/office/drawing/2014/main" val="3386233962"/>
+                      <a16:colId xmlns:a16="http://schemas.microsoft.com/office/drawing/2014/main" xmlns="" val="3386233962"/>
                     </a:ext>
                   </a:extLst>
                 </a:gridCol>
                 <a:gridCol w="1997437">
                   <a:extLst>
                     <a:ext uri="{9D8B030D-6E8A-4147-A177-3AD203B41FA5}">
-                      <a16:colId xmlns:a16="http://schemas.microsoft.com/office/drawing/2014/main" val="2716954967"/>
+                      <a16:colId xmlns:a16="http://schemas.microsoft.com/office/drawing/2014/main" xmlns="" val="2716954967"/>
                     </a:ext>
                   </a:extLst>
                 </a:gridCol>
                 <a:gridCol w="2200275">
                   <a:extLst>
                     <a:ext uri="{9D8B030D-6E8A-4147-A177-3AD203B41FA5}">
-                      <a16:colId xmlns:a16="http://schemas.microsoft.com/office/drawing/2014/main" val="779126432"/>
+                      <a16:colId xmlns:a16="http://schemas.microsoft.com/office/drawing/2014/main" xmlns="" val="779126432"/>
                     </a:ext>
                   </a:extLst>
                 </a:gridCol>
                 <a:gridCol w="2200275">
                   <a:extLst>
                     <a:ext uri="{9D8B030D-6E8A-4147-A177-3AD203B41FA5}">
-                      <a16:colId xmlns:a16="http://schemas.microsoft.com/office/drawing/2014/main" val="3524861831"/>
+                      <a16:colId xmlns:a16="http://schemas.microsoft.com/office/drawing/2014/main" xmlns="" val="3524861831"/>
                     </a:ext>
                   </a:extLst>
                 </a:gridCol>
@@ -12835,7 +11612,7 @@
                 </a:tc>
                 <a:extLst>
                   <a:ext uri="{0D108BD9-81ED-4DB2-BD59-A6C34878D82A}">
-                    <a16:rowId xmlns:a16="http://schemas.microsoft.com/office/drawing/2014/main" val="4270720029"/>
+                    <a16:rowId xmlns:a16="http://schemas.microsoft.com/office/drawing/2014/main" xmlns="" val="4270720029"/>
                   </a:ext>
                 </a:extLst>
               </a:tr>
@@ -13027,7 +11804,7 @@
                 </a:tc>
                 <a:extLst>
                   <a:ext uri="{0D108BD9-81ED-4DB2-BD59-A6C34878D82A}">
-                    <a16:rowId xmlns:a16="http://schemas.microsoft.com/office/drawing/2014/main" val="2572670075"/>
+                    <a16:rowId xmlns:a16="http://schemas.microsoft.com/office/drawing/2014/main" xmlns="" val="2572670075"/>
                   </a:ext>
                 </a:extLst>
               </a:tr>
@@ -13192,7 +11969,7 @@
                 </a:tc>
                 <a:extLst>
                   <a:ext uri="{0D108BD9-81ED-4DB2-BD59-A6C34878D82A}">
-                    <a16:rowId xmlns:a16="http://schemas.microsoft.com/office/drawing/2014/main" val="1583960594"/>
+                    <a16:rowId xmlns:a16="http://schemas.microsoft.com/office/drawing/2014/main" xmlns="" val="1583960594"/>
                   </a:ext>
                 </a:extLst>
               </a:tr>
@@ -13205,7 +11982,7 @@
                       <a:pPr algn="ctr"/>
                       <a:r>
                         <a:rPr lang="en-US" altLang="zh-TW" dirty="0" err="1" smtClean="0"/>
-                        <a:t>room_departmentId</a:t>
+                        <a:t>room_department_code</a:t>
                       </a:r>
                       <a:endParaRPr lang="zh-TW" altLang="en-US" dirty="0"/>
                     </a:p>
@@ -13321,7 +12098,7 @@
                       <a:pPr algn="ctr"/>
                       <a:r>
                         <a:rPr lang="en-US" altLang="zh-TW" dirty="0" smtClean="0"/>
-                        <a:t>0</a:t>
+                        <a:t>IDD</a:t>
                       </a:r>
                       <a:endParaRPr lang="zh-TW" altLang="en-US" dirty="0"/>
                     </a:p>
@@ -13349,7 +12126,7 @@
                 </a:tc>
                 <a:extLst>
                   <a:ext uri="{0D108BD9-81ED-4DB2-BD59-A6C34878D82A}">
-                    <a16:rowId xmlns:a16="http://schemas.microsoft.com/office/drawing/2014/main" val="2738200861"/>
+                    <a16:rowId xmlns:a16="http://schemas.microsoft.com/office/drawing/2014/main" xmlns="" val="2738200861"/>
                   </a:ext>
                 </a:extLst>
               </a:tr>
@@ -13514,7 +12291,7 @@
                 </a:tc>
                 <a:extLst>
                   <a:ext uri="{0D108BD9-81ED-4DB2-BD59-A6C34878D82A}">
-                    <a16:rowId xmlns:a16="http://schemas.microsoft.com/office/drawing/2014/main" val="1859256499"/>
+                    <a16:rowId xmlns:a16="http://schemas.microsoft.com/office/drawing/2014/main" xmlns="" val="1859256499"/>
                   </a:ext>
                 </a:extLst>
               </a:tr>
@@ -13687,7 +12464,7 @@
                 </a:tc>
                 <a:extLst>
                   <a:ext uri="{0D108BD9-81ED-4DB2-BD59-A6C34878D82A}">
-                    <a16:rowId xmlns:a16="http://schemas.microsoft.com/office/drawing/2014/main" val="726087043"/>
+                    <a16:rowId xmlns:a16="http://schemas.microsoft.com/office/drawing/2014/main" xmlns="" val="726087043"/>
                   </a:ext>
                 </a:extLst>
               </a:tr>
@@ -13868,7 +12645,7 @@
                 </a:tc>
                 <a:extLst>
                   <a:ext uri="{0D108BD9-81ED-4DB2-BD59-A6C34878D82A}">
-                    <a16:rowId xmlns:a16="http://schemas.microsoft.com/office/drawing/2014/main" val="3342185721"/>
+                    <a16:rowId xmlns:a16="http://schemas.microsoft.com/office/drawing/2014/main" xmlns="" val="3342185721"/>
                   </a:ext>
                 </a:extLst>
               </a:tr>
@@ -14024,7 +12801,7 @@
                 </a:tc>
                 <a:extLst>
                   <a:ext uri="{0D108BD9-81ED-4DB2-BD59-A6C34878D82A}">
-                    <a16:rowId xmlns:a16="http://schemas.microsoft.com/office/drawing/2014/main" val="1766268670"/>
+                    <a16:rowId xmlns:a16="http://schemas.microsoft.com/office/drawing/2014/main" xmlns="" val="1766268670"/>
                   </a:ext>
                 </a:extLst>
               </a:tr>
@@ -14163,7 +12940,7 @@
                 </a:tc>
                 <a:extLst>
                   <a:ext uri="{0D108BD9-81ED-4DB2-BD59-A6C34878D82A}">
-                    <a16:rowId xmlns:a16="http://schemas.microsoft.com/office/drawing/2014/main" val="3279891585"/>
+                    <a16:rowId xmlns:a16="http://schemas.microsoft.com/office/drawing/2014/main" xmlns="" val="3279891585"/>
                   </a:ext>
                 </a:extLst>
               </a:tr>
@@ -14223,7 +13000,7 @@
     </p:spTree>
     <p:extLst>
       <p:ext uri="{BB962C8B-B14F-4D97-AF65-F5344CB8AC3E}">
-        <p14:creationId xmlns:p14="http://schemas.microsoft.com/office/powerpoint/2010/main" val="554773879"/>
+        <p14:creationId xmlns:p14="http://schemas.microsoft.com/office/powerpoint/2010/main" xmlns="" val="554773879"/>
       </p:ext>
     </p:extLst>
   </p:cSld>
@@ -14240,7 +13017,7 @@
 </p:sld>
 </file>
 
-<file path=ppt/slides/slide8.xml><?xml version="1.0" encoding="utf-8"?>
+<file path=ppt/slides/slide7.xml><?xml version="1.0" encoding="utf-8"?>
 <p:sld xmlns:a="http://schemas.openxmlformats.org/drawingml/2006/main" xmlns:r="http://schemas.openxmlformats.org/officeDocument/2006/relationships" xmlns:p="http://schemas.openxmlformats.org/presentationml/2006/main">
   <p:cSld>
     <p:spTree>
@@ -14282,7 +13059,15 @@
                   <a:srgbClr val="0070C0"/>
                 </a:solidFill>
               </a:rPr>
-              <a:t>OQC (Organization)</a:t>
+              <a:t>QMC </a:t>
+            </a:r>
+            <a:r>
+              <a:rPr lang="en-US" altLang="zh-TW" dirty="0" smtClean="0">
+                <a:solidFill>
+                  <a:srgbClr val="0070C0"/>
+                </a:solidFill>
+              </a:rPr>
+              <a:t>(Organization)</a:t>
             </a:r>
             <a:endParaRPr lang="zh-TW" altLang="en-US" dirty="0">
               <a:solidFill>
@@ -14301,14 +13086,14 @@
           <p:nvPr>
             <p:extLst>
               <p:ext uri="{D42A27DB-BD31-4B8C-83A1-F6EECF244321}">
-                <p14:modId xmlns:p14="http://schemas.microsoft.com/office/powerpoint/2010/main" val="3708399212"/>
+                <p14:modId xmlns:p14="http://schemas.microsoft.com/office/powerpoint/2010/main" xmlns="" val="3708399212"/>
               </p:ext>
             </p:extLst>
           </p:nvPr>
         </p:nvGraphicFramePr>
         <p:xfrm>
           <a:off x="1543050" y="2723079"/>
-          <a:ext cx="8801100" cy="2225040"/>
+          <a:ext cx="8801100" cy="1854200"/>
         </p:xfrm>
         <a:graphic>
           <a:graphicData uri="http://schemas.openxmlformats.org/drawingml/2006/table">
@@ -14320,28 +13105,28 @@
                 <a:gridCol w="2403113">
                   <a:extLst>
                     <a:ext uri="{9D8B030D-6E8A-4147-A177-3AD203B41FA5}">
-                      <a16:colId xmlns:a16="http://schemas.microsoft.com/office/drawing/2014/main" val="3386233962"/>
+                      <a16:colId xmlns:a16="http://schemas.microsoft.com/office/drawing/2014/main" xmlns="" val="3386233962"/>
                     </a:ext>
                   </a:extLst>
                 </a:gridCol>
                 <a:gridCol w="1997437">
                   <a:extLst>
                     <a:ext uri="{9D8B030D-6E8A-4147-A177-3AD203B41FA5}">
-                      <a16:colId xmlns:a16="http://schemas.microsoft.com/office/drawing/2014/main" val="2716954967"/>
+                      <a16:colId xmlns:a16="http://schemas.microsoft.com/office/drawing/2014/main" xmlns="" val="2716954967"/>
                     </a:ext>
                   </a:extLst>
                 </a:gridCol>
                 <a:gridCol w="2200275">
                   <a:extLst>
                     <a:ext uri="{9D8B030D-6E8A-4147-A177-3AD203B41FA5}">
-                      <a16:colId xmlns:a16="http://schemas.microsoft.com/office/drawing/2014/main" val="779126432"/>
+                      <a16:colId xmlns:a16="http://schemas.microsoft.com/office/drawing/2014/main" xmlns="" val="779126432"/>
                     </a:ext>
                   </a:extLst>
                 </a:gridCol>
                 <a:gridCol w="2200275">
                   <a:extLst>
                     <a:ext uri="{9D8B030D-6E8A-4147-A177-3AD203B41FA5}">
-                      <a16:colId xmlns:a16="http://schemas.microsoft.com/office/drawing/2014/main" val="3524861831"/>
+                      <a16:colId xmlns:a16="http://schemas.microsoft.com/office/drawing/2014/main" xmlns="" val="3524861831"/>
                     </a:ext>
                   </a:extLst>
                 </a:gridCol>
@@ -14469,199 +13254,7 @@
                 </a:tc>
                 <a:extLst>
                   <a:ext uri="{0D108BD9-81ED-4DB2-BD59-A6C34878D82A}">
-                    <a16:rowId xmlns:a16="http://schemas.microsoft.com/office/drawing/2014/main" val="4270720029"/>
-                  </a:ext>
-                </a:extLst>
-              </a:tr>
-              <a:tr h="370840">
-                <a:tc>
-                  <a:txBody>
-                    <a:bodyPr/>
-                    <a:lstStyle/>
-                    <a:p>
-                      <a:pPr algn="ctr"/>
-                      <a:r>
-                        <a:rPr lang="en-US" altLang="zh-TW" dirty="0" smtClean="0"/>
-                        <a:t>id</a:t>
-                      </a:r>
-                      <a:endParaRPr lang="zh-TW" altLang="en-US" dirty="0"/>
-                    </a:p>
-                  </a:txBody>
-                  <a:tcPr>
-                    <a:lnL w="12700" cap="flat" cmpd="sng" algn="ctr">
-                      <a:solidFill>
-                        <a:schemeClr val="tx1"/>
-                      </a:solidFill>
-                      <a:prstDash val="solid"/>
-                      <a:round/>
-                      <a:headEnd type="none" w="med" len="med"/>
-                      <a:tailEnd type="none" w="med" len="med"/>
-                    </a:lnL>
-                    <a:lnR w="12700" cap="flat" cmpd="sng" algn="ctr">
-                      <a:solidFill>
-                        <a:schemeClr val="tx1"/>
-                      </a:solidFill>
-                      <a:prstDash val="solid"/>
-                      <a:round/>
-                      <a:headEnd type="none" w="med" len="med"/>
-                      <a:tailEnd type="none" w="med" len="med"/>
-                    </a:lnR>
-                    <a:lnT w="12700" cap="flat" cmpd="sng" algn="ctr">
-                      <a:solidFill>
-                        <a:schemeClr val="tx1"/>
-                      </a:solidFill>
-                      <a:prstDash val="solid"/>
-                      <a:round/>
-                      <a:headEnd type="none" w="med" len="med"/>
-                      <a:tailEnd type="none" w="med" len="med"/>
-                    </a:lnT>
-                  </a:tcPr>
-                </a:tc>
-                <a:tc>
-                  <a:txBody>
-                    <a:bodyPr/>
-                    <a:lstStyle/>
-                    <a:p>
-                      <a:pPr algn="ctr"/>
-                      <a:r>
-                        <a:rPr lang="en-US" altLang="zh-TW" dirty="0" err="1" smtClean="0"/>
-                        <a:t>Int</a:t>
-                      </a:r>
-                      <a:endParaRPr lang="zh-TW" altLang="en-US" dirty="0"/>
-                    </a:p>
-                  </a:txBody>
-                  <a:tcPr>
-                    <a:lnL w="12700" cap="flat" cmpd="sng" algn="ctr">
-                      <a:solidFill>
-                        <a:schemeClr val="tx1"/>
-                      </a:solidFill>
-                      <a:prstDash val="solid"/>
-                      <a:round/>
-                      <a:headEnd type="none" w="med" len="med"/>
-                      <a:tailEnd type="none" w="med" len="med"/>
-                    </a:lnL>
-                    <a:lnR w="12700" cap="flat" cmpd="sng" algn="ctr">
-                      <a:solidFill>
-                        <a:schemeClr val="tx1"/>
-                      </a:solidFill>
-                      <a:prstDash val="solid"/>
-                      <a:round/>
-                      <a:headEnd type="none" w="med" len="med"/>
-                      <a:tailEnd type="none" w="med" len="med"/>
-                    </a:lnR>
-                    <a:lnT w="12700" cap="flat" cmpd="sng" algn="ctr">
-                      <a:solidFill>
-                        <a:schemeClr val="tx1"/>
-                      </a:solidFill>
-                      <a:prstDash val="solid"/>
-                      <a:round/>
-                      <a:headEnd type="none" w="med" len="med"/>
-                      <a:tailEnd type="none" w="med" len="med"/>
-                    </a:lnT>
-                    <a:lnB w="12700" cap="flat" cmpd="sng" algn="ctr">
-                      <a:solidFill>
-                        <a:schemeClr val="tx1"/>
-                      </a:solidFill>
-                      <a:prstDash val="solid"/>
-                      <a:round/>
-                      <a:headEnd type="none" w="med" len="med"/>
-                      <a:tailEnd type="none" w="med" len="med"/>
-                    </a:lnB>
-                  </a:tcPr>
-                </a:tc>
-                <a:tc>
-                  <a:txBody>
-                    <a:bodyPr/>
-                    <a:lstStyle/>
-                    <a:p>
-                      <a:pPr algn="ctr"/>
-                      <a:r>
-                        <a:rPr lang="en-US" altLang="zh-TW" dirty="0" smtClean="0"/>
-                        <a:t>Primary</a:t>
-                      </a:r>
-                      <a:r>
-                        <a:rPr lang="en-US" altLang="zh-TW" baseline="0" dirty="0" smtClean="0"/>
-                        <a:t> Key</a:t>
-                      </a:r>
-                      <a:endParaRPr lang="zh-TW" altLang="en-US" dirty="0"/>
-                    </a:p>
-                  </a:txBody>
-                  <a:tcPr>
-                    <a:lnL w="12700" cap="flat" cmpd="sng" algn="ctr">
-                      <a:solidFill>
-                        <a:schemeClr val="tx1"/>
-                      </a:solidFill>
-                      <a:prstDash val="solid"/>
-                      <a:round/>
-                      <a:headEnd type="none" w="med" len="med"/>
-                      <a:tailEnd type="none" w="med" len="med"/>
-                    </a:lnL>
-                    <a:lnR w="12700" cap="flat" cmpd="sng" algn="ctr">
-                      <a:solidFill>
-                        <a:schemeClr val="tx1"/>
-                      </a:solidFill>
-                      <a:prstDash val="solid"/>
-                      <a:round/>
-                      <a:headEnd type="none" w="med" len="med"/>
-                      <a:tailEnd type="none" w="med" len="med"/>
-                    </a:lnR>
-                    <a:lnT w="12700" cap="flat" cmpd="sng" algn="ctr">
-                      <a:solidFill>
-                        <a:schemeClr val="tx1"/>
-                      </a:solidFill>
-                      <a:prstDash val="solid"/>
-                      <a:round/>
-                      <a:headEnd type="none" w="med" len="med"/>
-                      <a:tailEnd type="none" w="med" len="med"/>
-                    </a:lnT>
-                  </a:tcPr>
-                </a:tc>
-                <a:tc>
-                  <a:txBody>
-                    <a:bodyPr/>
-                    <a:lstStyle/>
-                    <a:p>
-                      <a:pPr algn="ctr"/>
-                      <a:r>
-                        <a:rPr lang="en-US" altLang="zh-TW" dirty="0" smtClean="0"/>
-                        <a:t>1</a:t>
-                      </a:r>
-                      <a:endParaRPr lang="zh-TW" altLang="en-US" dirty="0"/>
-                    </a:p>
-                  </a:txBody>
-                  <a:tcPr>
-                    <a:lnL w="12700" cap="flat" cmpd="sng" algn="ctr">
-                      <a:solidFill>
-                        <a:schemeClr val="tx1"/>
-                      </a:solidFill>
-                      <a:prstDash val="solid"/>
-                      <a:round/>
-                      <a:headEnd type="none" w="med" len="med"/>
-                      <a:tailEnd type="none" w="med" len="med"/>
-                    </a:lnL>
-                    <a:lnR w="12700" cap="flat" cmpd="sng" algn="ctr">
-                      <a:solidFill>
-                        <a:schemeClr val="tx1"/>
-                      </a:solidFill>
-                      <a:prstDash val="solid"/>
-                      <a:round/>
-                      <a:headEnd type="none" w="med" len="med"/>
-                      <a:tailEnd type="none" w="med" len="med"/>
-                    </a:lnR>
-                    <a:lnT w="12700" cap="flat" cmpd="sng" algn="ctr">
-                      <a:solidFill>
-                        <a:schemeClr val="tx1"/>
-                      </a:solidFill>
-                      <a:prstDash val="solid"/>
-                      <a:round/>
-                      <a:headEnd type="none" w="med" len="med"/>
-                      <a:tailEnd type="none" w="med" len="med"/>
-                    </a:lnT>
-                  </a:tcPr>
-                </a:tc>
-                <a:extLst>
-                  <a:ext uri="{0D108BD9-81ED-4DB2-BD59-A6C34878D82A}">
-                    <a16:rowId xmlns:a16="http://schemas.microsoft.com/office/drawing/2014/main" val="2572670075"/>
+                    <a16:rowId xmlns:a16="http://schemas.microsoft.com/office/drawing/2014/main" xmlns="" val="4270720029"/>
                   </a:ext>
                 </a:extLst>
               </a:tr>
@@ -14674,7 +13267,7 @@
                       <a:pPr algn="ctr"/>
                       <a:r>
                         <a:rPr lang="en-US" altLang="zh-TW" dirty="0" err="1" smtClean="0"/>
-                        <a:t>department_id</a:t>
+                        <a:t>department_code</a:t>
                       </a:r>
                       <a:endParaRPr lang="zh-TW" altLang="en-US" dirty="0"/>
                     </a:p>
@@ -14698,40 +13291,6 @@
                       <a:headEnd type="none" w="med" len="med"/>
                       <a:tailEnd type="none" w="med" len="med"/>
                     </a:lnR>
-                  </a:tcPr>
-                </a:tc>
-                <a:tc>
-                  <a:txBody>
-                    <a:bodyPr/>
-                    <a:lstStyle/>
-                    <a:p>
-                      <a:pPr algn="ctr"/>
-                      <a:r>
-                        <a:rPr lang="en-US" altLang="zh-TW" dirty="0" err="1" smtClean="0"/>
-                        <a:t>Int</a:t>
-                      </a:r>
-                      <a:endParaRPr lang="zh-TW" altLang="en-US" dirty="0"/>
-                    </a:p>
-                  </a:txBody>
-                  <a:tcPr>
-                    <a:lnL w="12700" cap="flat" cmpd="sng" algn="ctr">
-                      <a:solidFill>
-                        <a:schemeClr val="tx1"/>
-                      </a:solidFill>
-                      <a:prstDash val="solid"/>
-                      <a:round/>
-                      <a:headEnd type="none" w="med" len="med"/>
-                      <a:tailEnd type="none" w="med" len="med"/>
-                    </a:lnL>
-                    <a:lnR w="12700" cap="flat" cmpd="sng" algn="ctr">
-                      <a:solidFill>
-                        <a:schemeClr val="tx1"/>
-                      </a:solidFill>
-                      <a:prstDash val="solid"/>
-                      <a:round/>
-                      <a:headEnd type="none" w="med" len="med"/>
-                      <a:tailEnd type="none" w="med" len="med"/>
-                    </a:lnR>
                     <a:lnT w="12700" cap="flat" cmpd="sng" algn="ctr">
                       <a:solidFill>
                         <a:schemeClr val="tx1"/>
@@ -14741,45 +13300,6 @@
                       <a:headEnd type="none" w="med" len="med"/>
                       <a:tailEnd type="none" w="med" len="med"/>
                     </a:lnT>
-                    <a:lnB w="12700" cap="flat" cmpd="sng" algn="ctr">
-                      <a:solidFill>
-                        <a:schemeClr val="tx1"/>
-                      </a:solidFill>
-                      <a:prstDash val="solid"/>
-                      <a:round/>
-                      <a:headEnd type="none" w="med" len="med"/>
-                      <a:tailEnd type="none" w="med" len="med"/>
-                    </a:lnB>
-                  </a:tcPr>
-                </a:tc>
-                <a:tc>
-                  <a:txBody>
-                    <a:bodyPr/>
-                    <a:lstStyle/>
-                    <a:p>
-                      <a:pPr algn="ctr"/>
-                      <a:endParaRPr lang="zh-TW" altLang="en-US" dirty="0"/>
-                    </a:p>
-                  </a:txBody>
-                  <a:tcPr>
-                    <a:lnL w="12700" cap="flat" cmpd="sng" algn="ctr">
-                      <a:solidFill>
-                        <a:schemeClr val="tx1"/>
-                      </a:solidFill>
-                      <a:prstDash val="solid"/>
-                      <a:round/>
-                      <a:headEnd type="none" w="med" len="med"/>
-                      <a:tailEnd type="none" w="med" len="med"/>
-                    </a:lnL>
-                    <a:lnR w="12700" cap="flat" cmpd="sng" algn="ctr">
-                      <a:solidFill>
-                        <a:schemeClr val="tx1"/>
-                      </a:solidFill>
-                      <a:prstDash val="solid"/>
-                      <a:round/>
-                      <a:headEnd type="none" w="med" len="med"/>
-                      <a:tailEnd type="none" w="med" len="med"/>
-                    </a:lnR>
                   </a:tcPr>
                 </a:tc>
                 <a:tc>
@@ -14790,7 +13310,7 @@
                       <a:pPr algn="ctr"/>
                       <a:r>
                         <a:rPr lang="en-US" altLang="zh-TW" dirty="0" smtClean="0"/>
-                        <a:t>0</a:t>
+                        <a:t>String</a:t>
                       </a:r>
                       <a:endParaRPr lang="zh-TW" altLang="en-US" dirty="0"/>
                     </a:p>
@@ -14814,11 +13334,135 @@
                       <a:headEnd type="none" w="med" len="med"/>
                       <a:tailEnd type="none" w="med" len="med"/>
                     </a:lnR>
+                    <a:lnT w="12700" cap="flat" cmpd="sng" algn="ctr">
+                      <a:solidFill>
+                        <a:schemeClr val="tx1"/>
+                      </a:solidFill>
+                      <a:prstDash val="solid"/>
+                      <a:round/>
+                      <a:headEnd type="none" w="med" len="med"/>
+                      <a:tailEnd type="none" w="med" len="med"/>
+                    </a:lnT>
+                    <a:lnB w="12700" cap="flat" cmpd="sng" algn="ctr">
+                      <a:solidFill>
+                        <a:schemeClr val="tx1"/>
+                      </a:solidFill>
+                      <a:prstDash val="solid"/>
+                      <a:round/>
+                      <a:headEnd type="none" w="med" len="med"/>
+                      <a:tailEnd type="none" w="med" len="med"/>
+                    </a:lnB>
+                  </a:tcPr>
+                </a:tc>
+                <a:tc>
+                  <a:txBody>
+                    <a:bodyPr/>
+                    <a:lstStyle/>
+                    <a:p>
+                      <a:pPr marL="0" marR="0" indent="0" algn="ctr" defTabSz="914400" rtl="0" eaLnBrk="1" fontAlgn="auto" latinLnBrk="0" hangingPunct="1">
+                        <a:lnSpc>
+                          <a:spcPct val="100000"/>
+                        </a:lnSpc>
+                        <a:spcBef>
+                          <a:spcPts val="0"/>
+                        </a:spcBef>
+                        <a:spcAft>
+                          <a:spcPts val="0"/>
+                        </a:spcAft>
+                        <a:buClrTx/>
+                        <a:buSzTx/>
+                        <a:buFontTx/>
+                        <a:buNone/>
+                        <a:tabLst/>
+                        <a:defRPr/>
+                      </a:pPr>
+                      <a:r>
+                        <a:rPr lang="en-US" altLang="zh-TW" dirty="0" smtClean="0"/>
+                        <a:t>Primary</a:t>
+                      </a:r>
+                      <a:r>
+                        <a:rPr lang="en-US" altLang="zh-TW" baseline="0" dirty="0" smtClean="0"/>
+                        <a:t> Key</a:t>
+                      </a:r>
+                      <a:endParaRPr lang="zh-TW" altLang="en-US" dirty="0" smtClean="0"/>
+                    </a:p>
+                  </a:txBody>
+                  <a:tcPr>
+                    <a:lnL w="12700" cap="flat" cmpd="sng" algn="ctr">
+                      <a:solidFill>
+                        <a:schemeClr val="tx1"/>
+                      </a:solidFill>
+                      <a:prstDash val="solid"/>
+                      <a:round/>
+                      <a:headEnd type="none" w="med" len="med"/>
+                      <a:tailEnd type="none" w="med" len="med"/>
+                    </a:lnL>
+                    <a:lnR w="12700" cap="flat" cmpd="sng" algn="ctr">
+                      <a:solidFill>
+                        <a:schemeClr val="tx1"/>
+                      </a:solidFill>
+                      <a:prstDash val="solid"/>
+                      <a:round/>
+                      <a:headEnd type="none" w="med" len="med"/>
+                      <a:tailEnd type="none" w="med" len="med"/>
+                    </a:lnR>
+                    <a:lnT w="12700" cap="flat" cmpd="sng" algn="ctr">
+                      <a:solidFill>
+                        <a:schemeClr val="tx1"/>
+                      </a:solidFill>
+                      <a:prstDash val="solid"/>
+                      <a:round/>
+                      <a:headEnd type="none" w="med" len="med"/>
+                      <a:tailEnd type="none" w="med" len="med"/>
+                    </a:lnT>
+                  </a:tcPr>
+                </a:tc>
+                <a:tc>
+                  <a:txBody>
+                    <a:bodyPr/>
+                    <a:lstStyle/>
+                    <a:p>
+                      <a:pPr algn="ctr"/>
+                      <a:r>
+                        <a:rPr lang="en-US" altLang="zh-TW" dirty="0" smtClean="0"/>
+                        <a:t>IDD</a:t>
+                      </a:r>
+                      <a:endParaRPr lang="zh-TW" altLang="en-US" dirty="0"/>
+                    </a:p>
+                  </a:txBody>
+                  <a:tcPr>
+                    <a:lnL w="12700" cap="flat" cmpd="sng" algn="ctr">
+                      <a:solidFill>
+                        <a:schemeClr val="tx1"/>
+                      </a:solidFill>
+                      <a:prstDash val="solid"/>
+                      <a:round/>
+                      <a:headEnd type="none" w="med" len="med"/>
+                      <a:tailEnd type="none" w="med" len="med"/>
+                    </a:lnL>
+                    <a:lnR w="12700" cap="flat" cmpd="sng" algn="ctr">
+                      <a:solidFill>
+                        <a:schemeClr val="tx1"/>
+                      </a:solidFill>
+                      <a:prstDash val="solid"/>
+                      <a:round/>
+                      <a:headEnd type="none" w="med" len="med"/>
+                      <a:tailEnd type="none" w="med" len="med"/>
+                    </a:lnR>
+                    <a:lnT w="12700" cap="flat" cmpd="sng" algn="ctr">
+                      <a:solidFill>
+                        <a:schemeClr val="tx1"/>
+                      </a:solidFill>
+                      <a:prstDash val="solid"/>
+                      <a:round/>
+                      <a:headEnd type="none" w="med" len="med"/>
+                      <a:tailEnd type="none" w="med" len="med"/>
+                    </a:lnT>
                   </a:tcPr>
                 </a:tc>
                 <a:extLst>
                   <a:ext uri="{0D108BD9-81ED-4DB2-BD59-A6C34878D82A}">
-                    <a16:rowId xmlns:a16="http://schemas.microsoft.com/office/drawing/2014/main" val="1583960594"/>
+                    <a16:rowId xmlns:a16="http://schemas.microsoft.com/office/drawing/2014/main" xmlns="" val="1583960594"/>
                   </a:ext>
                 </a:extLst>
               </a:tr>
@@ -14983,7 +13627,7 @@
                 </a:tc>
                 <a:extLst>
                   <a:ext uri="{0D108BD9-81ED-4DB2-BD59-A6C34878D82A}">
-                    <a16:rowId xmlns:a16="http://schemas.microsoft.com/office/drawing/2014/main" val="3758289939"/>
+                    <a16:rowId xmlns:a16="http://schemas.microsoft.com/office/drawing/2014/main" xmlns="" val="3758289939"/>
                   </a:ext>
                 </a:extLst>
               </a:tr>
@@ -15139,7 +13783,7 @@
                 </a:tc>
                 <a:extLst>
                   <a:ext uri="{0D108BD9-81ED-4DB2-BD59-A6C34878D82A}">
-                    <a16:rowId xmlns:a16="http://schemas.microsoft.com/office/drawing/2014/main" val="1766268670"/>
+                    <a16:rowId xmlns:a16="http://schemas.microsoft.com/office/drawing/2014/main" xmlns="" val="1766268670"/>
                   </a:ext>
                 </a:extLst>
               </a:tr>
@@ -15278,7 +13922,7 @@
                 </a:tc>
                 <a:extLst>
                   <a:ext uri="{0D108BD9-81ED-4DB2-BD59-A6C34878D82A}">
-                    <a16:rowId xmlns:a16="http://schemas.microsoft.com/office/drawing/2014/main" val="3279891585"/>
+                    <a16:rowId xmlns:a16="http://schemas.microsoft.com/office/drawing/2014/main" xmlns="" val="3279891585"/>
                   </a:ext>
                 </a:extLst>
               </a:tr>
@@ -15338,7 +13982,7 @@
     </p:spTree>
     <p:extLst>
       <p:ext uri="{BB962C8B-B14F-4D97-AF65-F5344CB8AC3E}">
-        <p14:creationId xmlns:p14="http://schemas.microsoft.com/office/powerpoint/2010/main" val="1725135897"/>
+        <p14:creationId xmlns:p14="http://schemas.microsoft.com/office/powerpoint/2010/main" xmlns="" val="1725135897"/>
       </p:ext>
     </p:extLst>
   </p:cSld>
@@ -15355,7 +13999,7 @@
 </p:sld>
 </file>
 
-<file path=ppt/slides/slide9.xml><?xml version="1.0" encoding="utf-8"?>
+<file path=ppt/slides/slide8.xml><?xml version="1.0" encoding="utf-8"?>
 <p:sld xmlns:a="http://schemas.openxmlformats.org/drawingml/2006/main" xmlns:r="http://schemas.openxmlformats.org/officeDocument/2006/relationships" xmlns:p="http://schemas.openxmlformats.org/presentationml/2006/main">
   <p:cSld>
     <p:spTree>
@@ -15416,7 +14060,7 @@
           <p:nvPr>
             <p:extLst>
               <p:ext uri="{D42A27DB-BD31-4B8C-83A1-F6EECF244321}">
-                <p14:modId xmlns:p14="http://schemas.microsoft.com/office/powerpoint/2010/main" val="2729187038"/>
+                <p14:modId xmlns:p14="http://schemas.microsoft.com/office/powerpoint/2010/main" xmlns="" val="2729187038"/>
               </p:ext>
             </p:extLst>
           </p:nvPr>
@@ -15435,28 +14079,28 @@
                 <a:gridCol w="2403113">
                   <a:extLst>
                     <a:ext uri="{9D8B030D-6E8A-4147-A177-3AD203B41FA5}">
-                      <a16:colId xmlns:a16="http://schemas.microsoft.com/office/drawing/2014/main" val="3386233962"/>
+                      <a16:colId xmlns:a16="http://schemas.microsoft.com/office/drawing/2014/main" xmlns="" val="3386233962"/>
                     </a:ext>
                   </a:extLst>
                 </a:gridCol>
                 <a:gridCol w="1997437">
                   <a:extLst>
                     <a:ext uri="{9D8B030D-6E8A-4147-A177-3AD203B41FA5}">
-                      <a16:colId xmlns:a16="http://schemas.microsoft.com/office/drawing/2014/main" val="2716954967"/>
+                      <a16:colId xmlns:a16="http://schemas.microsoft.com/office/drawing/2014/main" xmlns="" val="2716954967"/>
                     </a:ext>
                   </a:extLst>
                 </a:gridCol>
                 <a:gridCol w="2200275">
                   <a:extLst>
                     <a:ext uri="{9D8B030D-6E8A-4147-A177-3AD203B41FA5}">
-                      <a16:colId xmlns:a16="http://schemas.microsoft.com/office/drawing/2014/main" val="779126432"/>
+                      <a16:colId xmlns:a16="http://schemas.microsoft.com/office/drawing/2014/main" xmlns="" val="779126432"/>
                     </a:ext>
                   </a:extLst>
                 </a:gridCol>
                 <a:gridCol w="2200275">
                   <a:extLst>
                     <a:ext uri="{9D8B030D-6E8A-4147-A177-3AD203B41FA5}">
-                      <a16:colId xmlns:a16="http://schemas.microsoft.com/office/drawing/2014/main" val="3524861831"/>
+                      <a16:colId xmlns:a16="http://schemas.microsoft.com/office/drawing/2014/main" xmlns="" val="3524861831"/>
                     </a:ext>
                   </a:extLst>
                 </a:gridCol>
@@ -15584,7 +14228,7 @@
                 </a:tc>
                 <a:extLst>
                   <a:ext uri="{0D108BD9-81ED-4DB2-BD59-A6C34878D82A}">
-                    <a16:rowId xmlns:a16="http://schemas.microsoft.com/office/drawing/2014/main" val="4270720029"/>
+                    <a16:rowId xmlns:a16="http://schemas.microsoft.com/office/drawing/2014/main" xmlns="" val="4270720029"/>
                   </a:ext>
                 </a:extLst>
               </a:tr>
@@ -15776,7 +14420,7 @@
                 </a:tc>
                 <a:extLst>
                   <a:ext uri="{0D108BD9-81ED-4DB2-BD59-A6C34878D82A}">
-                    <a16:rowId xmlns:a16="http://schemas.microsoft.com/office/drawing/2014/main" val="2572670075"/>
+                    <a16:rowId xmlns:a16="http://schemas.microsoft.com/office/drawing/2014/main" xmlns="" val="2572670075"/>
                   </a:ext>
                 </a:extLst>
               </a:tr>
@@ -15933,7 +14577,7 @@
                 </a:tc>
                 <a:extLst>
                   <a:ext uri="{0D108BD9-81ED-4DB2-BD59-A6C34878D82A}">
-                    <a16:rowId xmlns:a16="http://schemas.microsoft.com/office/drawing/2014/main" val="1583960594"/>
+                    <a16:rowId xmlns:a16="http://schemas.microsoft.com/office/drawing/2014/main" xmlns="" val="1583960594"/>
                   </a:ext>
                 </a:extLst>
               </a:tr>
@@ -16098,7 +14742,7 @@
                 </a:tc>
                 <a:extLst>
                   <a:ext uri="{0D108BD9-81ED-4DB2-BD59-A6C34878D82A}">
-                    <a16:rowId xmlns:a16="http://schemas.microsoft.com/office/drawing/2014/main" val="3758289939"/>
+                    <a16:rowId xmlns:a16="http://schemas.microsoft.com/office/drawing/2014/main" xmlns="" val="3758289939"/>
                   </a:ext>
                 </a:extLst>
               </a:tr>
@@ -16254,7 +14898,7 @@
                 </a:tc>
                 <a:extLst>
                   <a:ext uri="{0D108BD9-81ED-4DB2-BD59-A6C34878D82A}">
-                    <a16:rowId xmlns:a16="http://schemas.microsoft.com/office/drawing/2014/main" val="1766268670"/>
+                    <a16:rowId xmlns:a16="http://schemas.microsoft.com/office/drawing/2014/main" xmlns="" val="1766268670"/>
                   </a:ext>
                 </a:extLst>
               </a:tr>
@@ -16393,7 +15037,7 @@
                 </a:tc>
                 <a:extLst>
                   <a:ext uri="{0D108BD9-81ED-4DB2-BD59-A6C34878D82A}">
-                    <a16:rowId xmlns:a16="http://schemas.microsoft.com/office/drawing/2014/main" val="3279891585"/>
+                    <a16:rowId xmlns:a16="http://schemas.microsoft.com/office/drawing/2014/main" xmlns="" val="3279891585"/>
                   </a:ext>
                 </a:extLst>
               </a:tr>
@@ -16453,7 +15097,7 @@
     </p:spTree>
     <p:extLst>
       <p:ext uri="{BB962C8B-B14F-4D97-AF65-F5344CB8AC3E}">
-        <p14:creationId xmlns:p14="http://schemas.microsoft.com/office/powerpoint/2010/main" val="2441920050"/>
+        <p14:creationId xmlns:p14="http://schemas.microsoft.com/office/powerpoint/2010/main" xmlns="" val="2441920050"/>
       </p:ext>
     </p:extLst>
   </p:cSld>
@@ -16665,7 +15309,7 @@
   <a:extraClrSchemeLst/>
   <a:extLst>
     <a:ext uri="{05A4C25C-085E-4340-85A3-A5531E510DB2}">
-      <thm15:themeFamily xmlns:thm15="http://schemas.microsoft.com/office/thememl/2012/main" name="Office Theme" id="{62F939B6-93AF-4DB8-9C6B-D6C7DFDC589F}" vid="{4A3C46E8-61CC-4603-A589-7422A47A8E4A}"/>
+      <thm15:themeFamily xmlns:thm15="http://schemas.microsoft.com/office/thememl/2012/main" xmlns="" name="Office Theme" id="{62F939B6-93AF-4DB8-9C6B-D6C7DFDC589F}" vid="{4A3C46E8-61CC-4603-A589-7422A47A8E4A}"/>
     </a:ext>
   </a:extLst>
 </a:theme>
